--- a/Seating policy framework.pptx
+++ b/Seating policy framework.pptx
@@ -154,10 +154,9 @@
           </a:lstStyle>
           <a:p>
             <a:r>
-              <a:rPr lang="en-US" smtClean="0"/>
+              <a:rPr lang="en-US"/>
               <a:t>Click to edit Master title style</a:t>
             </a:r>
-            <a:endParaRPr lang="en-US"/>
           </a:p>
         </p:txBody>
       </p:sp>
@@ -219,10 +218,9 @@
           </a:lstStyle>
           <a:p>
             <a:r>
-              <a:rPr lang="en-US" smtClean="0"/>
+              <a:rPr lang="en-US"/>
               <a:t>Click to edit Master subtitle style</a:t>
             </a:r>
-            <a:endParaRPr lang="en-US"/>
           </a:p>
         </p:txBody>
       </p:sp>
@@ -243,7 +241,7 @@
           <a:p>
             <a:fld id="{C19957B9-76B9-4AE8-9AD5-4FA5CD84FADE}" type="datetimeFigureOut">
               <a:rPr lang="en-US" smtClean="0"/>
-              <a:t>25-Mar-19</a:t>
+              <a:t>5/24/19</a:t>
             </a:fld>
             <a:endParaRPr lang="en-US"/>
           </a:p>
@@ -337,10 +335,9 @@
           <a:lstStyle/>
           <a:p>
             <a:r>
-              <a:rPr lang="en-US" smtClean="0"/>
+              <a:rPr lang="en-US"/>
               <a:t>Click to edit Master title style</a:t>
             </a:r>
-            <a:endParaRPr lang="en-US"/>
           </a:p>
         </p:txBody>
       </p:sp>
@@ -361,38 +358,37 @@
           <a:p>
             <a:pPr lvl="0"/>
             <a:r>
-              <a:rPr lang="en-US" smtClean="0"/>
+              <a:rPr lang="en-US"/>
               <a:t>Edit Master text styles</a:t>
             </a:r>
           </a:p>
           <a:p>
             <a:pPr lvl="1"/>
             <a:r>
-              <a:rPr lang="en-US" smtClean="0"/>
+              <a:rPr lang="en-US"/>
               <a:t>Second level</a:t>
             </a:r>
           </a:p>
           <a:p>
             <a:pPr lvl="2"/>
             <a:r>
-              <a:rPr lang="en-US" smtClean="0"/>
+              <a:rPr lang="en-US"/>
               <a:t>Third level</a:t>
             </a:r>
           </a:p>
           <a:p>
             <a:pPr lvl="3"/>
             <a:r>
-              <a:rPr lang="en-US" smtClean="0"/>
+              <a:rPr lang="en-US"/>
               <a:t>Fourth level</a:t>
             </a:r>
           </a:p>
           <a:p>
             <a:pPr lvl="4"/>
             <a:r>
-              <a:rPr lang="en-US" smtClean="0"/>
+              <a:rPr lang="en-US"/>
               <a:t>Fifth level</a:t>
             </a:r>
-            <a:endParaRPr lang="en-US"/>
           </a:p>
         </p:txBody>
       </p:sp>
@@ -413,7 +409,7 @@
           <a:p>
             <a:fld id="{C19957B9-76B9-4AE8-9AD5-4FA5CD84FADE}" type="datetimeFigureOut">
               <a:rPr lang="en-US" smtClean="0"/>
-              <a:t>25-Mar-19</a:t>
+              <a:t>5/24/19</a:t>
             </a:fld>
             <a:endParaRPr lang="en-US"/>
           </a:p>
@@ -512,10 +508,9 @@
           <a:lstStyle/>
           <a:p>
             <a:r>
-              <a:rPr lang="en-US" smtClean="0"/>
+              <a:rPr lang="en-US"/>
               <a:t>Click to edit Master title style</a:t>
             </a:r>
-            <a:endParaRPr lang="en-US"/>
           </a:p>
         </p:txBody>
       </p:sp>
@@ -541,38 +536,37 @@
           <a:p>
             <a:pPr lvl="0"/>
             <a:r>
-              <a:rPr lang="en-US" smtClean="0"/>
+              <a:rPr lang="en-US"/>
               <a:t>Edit Master text styles</a:t>
             </a:r>
           </a:p>
           <a:p>
             <a:pPr lvl="1"/>
             <a:r>
-              <a:rPr lang="en-US" smtClean="0"/>
+              <a:rPr lang="en-US"/>
               <a:t>Second level</a:t>
             </a:r>
           </a:p>
           <a:p>
             <a:pPr lvl="2"/>
             <a:r>
-              <a:rPr lang="en-US" smtClean="0"/>
+              <a:rPr lang="en-US"/>
               <a:t>Third level</a:t>
             </a:r>
           </a:p>
           <a:p>
             <a:pPr lvl="3"/>
             <a:r>
-              <a:rPr lang="en-US" smtClean="0"/>
+              <a:rPr lang="en-US"/>
               <a:t>Fourth level</a:t>
             </a:r>
           </a:p>
           <a:p>
             <a:pPr lvl="4"/>
             <a:r>
-              <a:rPr lang="en-US" smtClean="0"/>
+              <a:rPr lang="en-US"/>
               <a:t>Fifth level</a:t>
             </a:r>
-            <a:endParaRPr lang="en-US"/>
           </a:p>
         </p:txBody>
       </p:sp>
@@ -593,7 +587,7 @@
           <a:p>
             <a:fld id="{C19957B9-76B9-4AE8-9AD5-4FA5CD84FADE}" type="datetimeFigureOut">
               <a:rPr lang="en-US" smtClean="0"/>
-              <a:t>25-Mar-19</a:t>
+              <a:t>5/24/19</a:t>
             </a:fld>
             <a:endParaRPr lang="en-US"/>
           </a:p>
@@ -687,10 +681,9 @@
           <a:lstStyle/>
           <a:p>
             <a:r>
-              <a:rPr lang="en-US" smtClean="0"/>
+              <a:rPr lang="en-US"/>
               <a:t>Click to edit Master title style</a:t>
             </a:r>
-            <a:endParaRPr lang="en-US"/>
           </a:p>
         </p:txBody>
       </p:sp>
@@ -711,38 +704,37 @@
           <a:p>
             <a:pPr lvl="0"/>
             <a:r>
-              <a:rPr lang="en-US" smtClean="0"/>
+              <a:rPr lang="en-US"/>
               <a:t>Edit Master text styles</a:t>
             </a:r>
           </a:p>
           <a:p>
             <a:pPr lvl="1"/>
             <a:r>
-              <a:rPr lang="en-US" smtClean="0"/>
+              <a:rPr lang="en-US"/>
               <a:t>Second level</a:t>
             </a:r>
           </a:p>
           <a:p>
             <a:pPr lvl="2"/>
             <a:r>
-              <a:rPr lang="en-US" smtClean="0"/>
+              <a:rPr lang="en-US"/>
               <a:t>Third level</a:t>
             </a:r>
           </a:p>
           <a:p>
             <a:pPr lvl="3"/>
             <a:r>
-              <a:rPr lang="en-US" smtClean="0"/>
+              <a:rPr lang="en-US"/>
               <a:t>Fourth level</a:t>
             </a:r>
           </a:p>
           <a:p>
             <a:pPr lvl="4"/>
             <a:r>
-              <a:rPr lang="en-US" smtClean="0"/>
+              <a:rPr lang="en-US"/>
               <a:t>Fifth level</a:t>
             </a:r>
-            <a:endParaRPr lang="en-US"/>
           </a:p>
         </p:txBody>
       </p:sp>
@@ -763,7 +755,7 @@
           <a:p>
             <a:fld id="{C19957B9-76B9-4AE8-9AD5-4FA5CD84FADE}" type="datetimeFigureOut">
               <a:rPr lang="en-US" smtClean="0"/>
-              <a:t>25-Mar-19</a:t>
+              <a:t>5/24/19</a:t>
             </a:fld>
             <a:endParaRPr lang="en-US"/>
           </a:p>
@@ -866,10 +858,9 @@
           </a:lstStyle>
           <a:p>
             <a:r>
-              <a:rPr lang="en-US" smtClean="0"/>
+              <a:rPr lang="en-US"/>
               <a:t>Click to edit Master title style</a:t>
             </a:r>
-            <a:endParaRPr lang="en-US"/>
           </a:p>
         </p:txBody>
       </p:sp>
@@ -986,7 +977,7 @@
           <a:p>
             <a:pPr lvl="0"/>
             <a:r>
-              <a:rPr lang="en-US" smtClean="0"/>
+              <a:rPr lang="en-US"/>
               <a:t>Edit Master text styles</a:t>
             </a:r>
           </a:p>
@@ -1009,7 +1000,7 @@
           <a:p>
             <a:fld id="{C19957B9-76B9-4AE8-9AD5-4FA5CD84FADE}" type="datetimeFigureOut">
               <a:rPr lang="en-US" smtClean="0"/>
-              <a:t>25-Mar-19</a:t>
+              <a:t>5/24/19</a:t>
             </a:fld>
             <a:endParaRPr lang="en-US"/>
           </a:p>
@@ -1103,10 +1094,9 @@
           <a:lstStyle/>
           <a:p>
             <a:r>
-              <a:rPr lang="en-US" smtClean="0"/>
+              <a:rPr lang="en-US"/>
               <a:t>Click to edit Master title style</a:t>
             </a:r>
-            <a:endParaRPr lang="en-US"/>
           </a:p>
         </p:txBody>
       </p:sp>
@@ -1132,38 +1122,37 @@
           <a:p>
             <a:pPr lvl="0"/>
             <a:r>
-              <a:rPr lang="en-US" smtClean="0"/>
+              <a:rPr lang="en-US"/>
               <a:t>Edit Master text styles</a:t>
             </a:r>
           </a:p>
           <a:p>
             <a:pPr lvl="1"/>
             <a:r>
-              <a:rPr lang="en-US" smtClean="0"/>
+              <a:rPr lang="en-US"/>
               <a:t>Second level</a:t>
             </a:r>
           </a:p>
           <a:p>
             <a:pPr lvl="2"/>
             <a:r>
-              <a:rPr lang="en-US" smtClean="0"/>
+              <a:rPr lang="en-US"/>
               <a:t>Third level</a:t>
             </a:r>
           </a:p>
           <a:p>
             <a:pPr lvl="3"/>
             <a:r>
-              <a:rPr lang="en-US" smtClean="0"/>
+              <a:rPr lang="en-US"/>
               <a:t>Fourth level</a:t>
             </a:r>
           </a:p>
           <a:p>
             <a:pPr lvl="4"/>
             <a:r>
-              <a:rPr lang="en-US" smtClean="0"/>
+              <a:rPr lang="en-US"/>
               <a:t>Fifth level</a:t>
             </a:r>
-            <a:endParaRPr lang="en-US"/>
           </a:p>
         </p:txBody>
       </p:sp>
@@ -1189,38 +1178,37 @@
           <a:p>
             <a:pPr lvl="0"/>
             <a:r>
-              <a:rPr lang="en-US" smtClean="0"/>
+              <a:rPr lang="en-US"/>
               <a:t>Edit Master text styles</a:t>
             </a:r>
           </a:p>
           <a:p>
             <a:pPr lvl="1"/>
             <a:r>
-              <a:rPr lang="en-US" smtClean="0"/>
+              <a:rPr lang="en-US"/>
               <a:t>Second level</a:t>
             </a:r>
           </a:p>
           <a:p>
             <a:pPr lvl="2"/>
             <a:r>
-              <a:rPr lang="en-US" smtClean="0"/>
+              <a:rPr lang="en-US"/>
               <a:t>Third level</a:t>
             </a:r>
           </a:p>
           <a:p>
             <a:pPr lvl="3"/>
             <a:r>
-              <a:rPr lang="en-US" smtClean="0"/>
+              <a:rPr lang="en-US"/>
               <a:t>Fourth level</a:t>
             </a:r>
           </a:p>
           <a:p>
             <a:pPr lvl="4"/>
             <a:r>
-              <a:rPr lang="en-US" smtClean="0"/>
+              <a:rPr lang="en-US"/>
               <a:t>Fifth level</a:t>
             </a:r>
-            <a:endParaRPr lang="en-US"/>
           </a:p>
         </p:txBody>
       </p:sp>
@@ -1241,7 +1229,7 @@
           <a:p>
             <a:fld id="{C19957B9-76B9-4AE8-9AD5-4FA5CD84FADE}" type="datetimeFigureOut">
               <a:rPr lang="en-US" smtClean="0"/>
-              <a:t>25-Mar-19</a:t>
+              <a:t>5/24/19</a:t>
             </a:fld>
             <a:endParaRPr lang="en-US"/>
           </a:p>
@@ -1340,10 +1328,9 @@
           <a:lstStyle/>
           <a:p>
             <a:r>
-              <a:rPr lang="en-US" smtClean="0"/>
+              <a:rPr lang="en-US"/>
               <a:t>Click to edit Master title style</a:t>
             </a:r>
-            <a:endParaRPr lang="en-US"/>
           </a:p>
         </p:txBody>
       </p:sp>
@@ -1406,7 +1393,7 @@
           <a:p>
             <a:pPr lvl="0"/>
             <a:r>
-              <a:rPr lang="en-US" smtClean="0"/>
+              <a:rPr lang="en-US"/>
               <a:t>Edit Master text styles</a:t>
             </a:r>
           </a:p>
@@ -1434,38 +1421,37 @@
           <a:p>
             <a:pPr lvl="0"/>
             <a:r>
-              <a:rPr lang="en-US" smtClean="0"/>
+              <a:rPr lang="en-US"/>
               <a:t>Edit Master text styles</a:t>
             </a:r>
           </a:p>
           <a:p>
             <a:pPr lvl="1"/>
             <a:r>
-              <a:rPr lang="en-US" smtClean="0"/>
+              <a:rPr lang="en-US"/>
               <a:t>Second level</a:t>
             </a:r>
           </a:p>
           <a:p>
             <a:pPr lvl="2"/>
             <a:r>
-              <a:rPr lang="en-US" smtClean="0"/>
+              <a:rPr lang="en-US"/>
               <a:t>Third level</a:t>
             </a:r>
           </a:p>
           <a:p>
             <a:pPr lvl="3"/>
             <a:r>
-              <a:rPr lang="en-US" smtClean="0"/>
+              <a:rPr lang="en-US"/>
               <a:t>Fourth level</a:t>
             </a:r>
           </a:p>
           <a:p>
             <a:pPr lvl="4"/>
             <a:r>
-              <a:rPr lang="en-US" smtClean="0"/>
+              <a:rPr lang="en-US"/>
               <a:t>Fifth level</a:t>
             </a:r>
-            <a:endParaRPr lang="en-US"/>
           </a:p>
         </p:txBody>
       </p:sp>
@@ -1528,7 +1514,7 @@
           <a:p>
             <a:pPr lvl="0"/>
             <a:r>
-              <a:rPr lang="en-US" smtClean="0"/>
+              <a:rPr lang="en-US"/>
               <a:t>Edit Master text styles</a:t>
             </a:r>
           </a:p>
@@ -1556,38 +1542,37 @@
           <a:p>
             <a:pPr lvl="0"/>
             <a:r>
-              <a:rPr lang="en-US" smtClean="0"/>
+              <a:rPr lang="en-US"/>
               <a:t>Edit Master text styles</a:t>
             </a:r>
           </a:p>
           <a:p>
             <a:pPr lvl="1"/>
             <a:r>
-              <a:rPr lang="en-US" smtClean="0"/>
+              <a:rPr lang="en-US"/>
               <a:t>Second level</a:t>
             </a:r>
           </a:p>
           <a:p>
             <a:pPr lvl="2"/>
             <a:r>
-              <a:rPr lang="en-US" smtClean="0"/>
+              <a:rPr lang="en-US"/>
               <a:t>Third level</a:t>
             </a:r>
           </a:p>
           <a:p>
             <a:pPr lvl="3"/>
             <a:r>
-              <a:rPr lang="en-US" smtClean="0"/>
+              <a:rPr lang="en-US"/>
               <a:t>Fourth level</a:t>
             </a:r>
           </a:p>
           <a:p>
             <a:pPr lvl="4"/>
             <a:r>
-              <a:rPr lang="en-US" smtClean="0"/>
+              <a:rPr lang="en-US"/>
               <a:t>Fifth level</a:t>
             </a:r>
-            <a:endParaRPr lang="en-US"/>
           </a:p>
         </p:txBody>
       </p:sp>
@@ -1608,7 +1593,7 @@
           <a:p>
             <a:fld id="{C19957B9-76B9-4AE8-9AD5-4FA5CD84FADE}" type="datetimeFigureOut">
               <a:rPr lang="en-US" smtClean="0"/>
-              <a:t>25-Mar-19</a:t>
+              <a:t>5/24/19</a:t>
             </a:fld>
             <a:endParaRPr lang="en-US"/>
           </a:p>
@@ -1702,10 +1687,9 @@
           <a:lstStyle/>
           <a:p>
             <a:r>
-              <a:rPr lang="en-US" smtClean="0"/>
+              <a:rPr lang="en-US"/>
               <a:t>Click to edit Master title style</a:t>
             </a:r>
-            <a:endParaRPr lang="en-US"/>
           </a:p>
         </p:txBody>
       </p:sp>
@@ -1726,7 +1710,7 @@
           <a:p>
             <a:fld id="{C19957B9-76B9-4AE8-9AD5-4FA5CD84FADE}" type="datetimeFigureOut">
               <a:rPr lang="en-US" smtClean="0"/>
-              <a:t>25-Mar-19</a:t>
+              <a:t>5/24/19</a:t>
             </a:fld>
             <a:endParaRPr lang="en-US"/>
           </a:p>
@@ -1821,7 +1805,7 @@
           <a:p>
             <a:fld id="{C19957B9-76B9-4AE8-9AD5-4FA5CD84FADE}" type="datetimeFigureOut">
               <a:rPr lang="en-US" smtClean="0"/>
-              <a:t>25-Mar-19</a:t>
+              <a:t>5/24/19</a:t>
             </a:fld>
             <a:endParaRPr lang="en-US"/>
           </a:p>
@@ -1924,10 +1908,9 @@
           </a:lstStyle>
           <a:p>
             <a:r>
-              <a:rPr lang="en-US" smtClean="0"/>
+              <a:rPr lang="en-US"/>
               <a:t>Click to edit Master title style</a:t>
             </a:r>
-            <a:endParaRPr lang="en-US"/>
           </a:p>
         </p:txBody>
       </p:sp>
@@ -1981,38 +1964,37 @@
           <a:p>
             <a:pPr lvl="0"/>
             <a:r>
-              <a:rPr lang="en-US" smtClean="0"/>
+              <a:rPr lang="en-US"/>
               <a:t>Edit Master text styles</a:t>
             </a:r>
           </a:p>
           <a:p>
             <a:pPr lvl="1"/>
             <a:r>
-              <a:rPr lang="en-US" smtClean="0"/>
+              <a:rPr lang="en-US"/>
               <a:t>Second level</a:t>
             </a:r>
           </a:p>
           <a:p>
             <a:pPr lvl="2"/>
             <a:r>
-              <a:rPr lang="en-US" smtClean="0"/>
+              <a:rPr lang="en-US"/>
               <a:t>Third level</a:t>
             </a:r>
           </a:p>
           <a:p>
             <a:pPr lvl="3"/>
             <a:r>
-              <a:rPr lang="en-US" smtClean="0"/>
+              <a:rPr lang="en-US"/>
               <a:t>Fourth level</a:t>
             </a:r>
           </a:p>
           <a:p>
             <a:pPr lvl="4"/>
             <a:r>
-              <a:rPr lang="en-US" smtClean="0"/>
+              <a:rPr lang="en-US"/>
               <a:t>Fifth level</a:t>
             </a:r>
-            <a:endParaRPr lang="en-US"/>
           </a:p>
         </p:txBody>
       </p:sp>
@@ -2075,7 +2057,7 @@
           <a:p>
             <a:pPr lvl="0"/>
             <a:r>
-              <a:rPr lang="en-US" smtClean="0"/>
+              <a:rPr lang="en-US"/>
               <a:t>Edit Master text styles</a:t>
             </a:r>
           </a:p>
@@ -2098,7 +2080,7 @@
           <a:p>
             <a:fld id="{C19957B9-76B9-4AE8-9AD5-4FA5CD84FADE}" type="datetimeFigureOut">
               <a:rPr lang="en-US" smtClean="0"/>
-              <a:t>25-Mar-19</a:t>
+              <a:t>5/24/19</a:t>
             </a:fld>
             <a:endParaRPr lang="en-US"/>
           </a:p>
@@ -2201,10 +2183,9 @@
           </a:lstStyle>
           <a:p>
             <a:r>
-              <a:rPr lang="en-US" smtClean="0"/>
+              <a:rPr lang="en-US"/>
               <a:t>Click to edit Master title style</a:t>
             </a:r>
-            <a:endParaRPr lang="en-US"/>
           </a:p>
         </p:txBody>
       </p:sp>
@@ -2328,7 +2309,7 @@
           <a:p>
             <a:pPr lvl="0"/>
             <a:r>
-              <a:rPr lang="en-US" smtClean="0"/>
+              <a:rPr lang="en-US"/>
               <a:t>Edit Master text styles</a:t>
             </a:r>
           </a:p>
@@ -2351,7 +2332,7 @@
           <a:p>
             <a:fld id="{C19957B9-76B9-4AE8-9AD5-4FA5CD84FADE}" type="datetimeFigureOut">
               <a:rPr lang="en-US" smtClean="0"/>
-              <a:t>25-Mar-19</a:t>
+              <a:t>5/24/19</a:t>
             </a:fld>
             <a:endParaRPr lang="en-US"/>
           </a:p>
@@ -2460,10 +2441,9 @@
           <a:lstStyle/>
           <a:p>
             <a:r>
-              <a:rPr lang="en-US" smtClean="0"/>
+              <a:rPr lang="en-US"/>
               <a:t>Click to edit Master title style</a:t>
             </a:r>
-            <a:endParaRPr lang="en-US"/>
           </a:p>
         </p:txBody>
       </p:sp>
@@ -2494,38 +2474,37 @@
           <a:p>
             <a:pPr lvl="0"/>
             <a:r>
-              <a:rPr lang="en-US" smtClean="0"/>
+              <a:rPr lang="en-US"/>
               <a:t>Edit Master text styles</a:t>
             </a:r>
           </a:p>
           <a:p>
             <a:pPr lvl="1"/>
             <a:r>
-              <a:rPr lang="en-US" smtClean="0"/>
+              <a:rPr lang="en-US"/>
               <a:t>Second level</a:t>
             </a:r>
           </a:p>
           <a:p>
             <a:pPr lvl="2"/>
             <a:r>
-              <a:rPr lang="en-US" smtClean="0"/>
+              <a:rPr lang="en-US"/>
               <a:t>Third level</a:t>
             </a:r>
           </a:p>
           <a:p>
             <a:pPr lvl="3"/>
             <a:r>
-              <a:rPr lang="en-US" smtClean="0"/>
+              <a:rPr lang="en-US"/>
               <a:t>Fourth level</a:t>
             </a:r>
           </a:p>
           <a:p>
             <a:pPr lvl="4"/>
             <a:r>
-              <a:rPr lang="en-US" smtClean="0"/>
+              <a:rPr lang="en-US"/>
               <a:t>Fifth level</a:t>
             </a:r>
-            <a:endParaRPr lang="en-US"/>
           </a:p>
         </p:txBody>
       </p:sp>
@@ -2564,7 +2543,7 @@
           <a:p>
             <a:fld id="{C19957B9-76B9-4AE8-9AD5-4FA5CD84FADE}" type="datetimeFigureOut">
               <a:rPr lang="en-US" smtClean="0"/>
-              <a:t>25-Mar-19</a:t>
+              <a:t>5/24/19</a:t>
             </a:fld>
             <a:endParaRPr lang="en-US"/>
           </a:p>
@@ -2969,1344 +2948,1270 @@
           <a:chExt cx="0" cy="0"/>
         </a:xfrm>
       </p:grpSpPr>
-      <p:sp>
-        <p:nvSpPr>
-          <p:cNvPr id="4" name="Rectangle 3"/>
-          <p:cNvSpPr/>
+      <p:grpSp>
+        <p:nvGrpSpPr>
+          <p:cNvPr id="11" name="Group 10">
+            <a:extLst>
+              <a:ext uri="{FF2B5EF4-FFF2-40B4-BE49-F238E27FC236}">
+                <a16:creationId xmlns:a16="http://schemas.microsoft.com/office/drawing/2014/main" id="{7760C1F7-CD37-134E-B9D6-4F74DBB8664B}"/>
+              </a:ext>
+            </a:extLst>
+          </p:cNvPr>
+          <p:cNvGrpSpPr/>
           <p:nvPr/>
-        </p:nvSpPr>
-        <p:spPr>
+        </p:nvGrpSpPr>
+        <p:grpSpPr>
           <a:xfrm>
-            <a:off x="1846610" y="713874"/>
-            <a:ext cx="1080000" cy="540000"/>
+            <a:off x="1756610" y="713874"/>
+            <a:ext cx="7220659" cy="4895428"/>
+            <a:chOff x="1756610" y="713874"/>
+            <a:chExt cx="7220659" cy="4895428"/>
           </a:xfrm>
-          <a:prstGeom prst="rect">
-            <a:avLst/>
-          </a:prstGeom>
-          <a:solidFill>
-            <a:schemeClr val="bg1"/>
-          </a:solidFill>
-          <a:ln w="6350">
+        </p:grpSpPr>
+        <p:sp>
+          <p:nvSpPr>
+            <p:cNvPr id="4" name="Rectangle 3"/>
+            <p:cNvSpPr/>
+            <p:nvPr/>
+          </p:nvSpPr>
+          <p:spPr>
+            <a:xfrm>
+              <a:off x="1846610" y="713874"/>
+              <a:ext cx="1080000" cy="540000"/>
+            </a:xfrm>
+            <a:prstGeom prst="rect">
+              <a:avLst/>
+            </a:prstGeom>
             <a:solidFill>
-              <a:schemeClr val="tx1"/>
+              <a:schemeClr val="bg1"/>
             </a:solidFill>
-          </a:ln>
-        </p:spPr>
-        <p:style>
-          <a:lnRef idx="2">
-            <a:schemeClr val="accent1">
-              <a:shade val="50000"/>
-            </a:schemeClr>
-          </a:lnRef>
-          <a:fillRef idx="1">
-            <a:schemeClr val="accent1"/>
-          </a:fillRef>
-          <a:effectRef idx="0">
-            <a:schemeClr val="accent1"/>
-          </a:effectRef>
-          <a:fontRef idx="minor">
-            <a:schemeClr val="lt1"/>
-          </a:fontRef>
-        </p:style>
-        <p:txBody>
-          <a:bodyPr rtlCol="0" anchor="ctr"/>
-          <a:lstStyle/>
-          <a:p>
-            <a:pPr algn="ctr"/>
-            <a:r>
-              <a:rPr lang="en-US" dirty="0" smtClean="0">
-                <a:solidFill>
-                  <a:schemeClr val="tx1"/>
-                </a:solidFill>
-                <a:latin typeface="Arial" panose="020B0604020202020204" pitchFamily="34" charset="0"/>
-                <a:cs typeface="Arial" panose="020B0604020202020204" pitchFamily="34" charset="0"/>
-              </a:rPr>
-              <a:t>Start</a:t>
-            </a:r>
-            <a:endParaRPr lang="en-US" dirty="0">
+            <a:ln w="6350">
               <a:solidFill>
                 <a:schemeClr val="tx1"/>
               </a:solidFill>
-              <a:latin typeface="Arial" panose="020B0604020202020204" pitchFamily="34" charset="0"/>
-              <a:cs typeface="Arial" panose="020B0604020202020204" pitchFamily="34" charset="0"/>
-            </a:endParaRPr>
-          </a:p>
-        </p:txBody>
-      </p:sp>
-      <p:sp>
-        <p:nvSpPr>
-          <p:cNvPr id="5" name="Rectangle 4"/>
-          <p:cNvSpPr/>
-          <p:nvPr/>
-        </p:nvSpPr>
-        <p:spPr>
-          <a:xfrm>
-            <a:off x="7524569" y="1884947"/>
-            <a:ext cx="1440000" cy="540000"/>
-          </a:xfrm>
-          <a:prstGeom prst="rect">
-            <a:avLst/>
-          </a:prstGeom>
-          <a:solidFill>
-            <a:schemeClr val="bg1"/>
-          </a:solidFill>
-          <a:ln w="6350">
+            </a:ln>
+          </p:spPr>
+          <p:style>
+            <a:lnRef idx="2">
+              <a:schemeClr val="accent1">
+                <a:shade val="50000"/>
+              </a:schemeClr>
+            </a:lnRef>
+            <a:fillRef idx="1">
+              <a:schemeClr val="accent1"/>
+            </a:fillRef>
+            <a:effectRef idx="0">
+              <a:schemeClr val="accent1"/>
+            </a:effectRef>
+            <a:fontRef idx="minor">
+              <a:schemeClr val="lt1"/>
+            </a:fontRef>
+          </p:style>
+          <p:txBody>
+            <a:bodyPr rtlCol="0" anchor="ctr"/>
+            <a:lstStyle/>
+            <a:p>
+              <a:pPr algn="ctr"/>
+              <a:r>
+                <a:rPr lang="en-US" dirty="0">
+                  <a:solidFill>
+                    <a:schemeClr val="tx1"/>
+                  </a:solidFill>
+                  <a:latin typeface="Arial" panose="020B0604020202020204" pitchFamily="34" charset="0"/>
+                  <a:cs typeface="Arial" panose="020B0604020202020204" pitchFamily="34" charset="0"/>
+                </a:rPr>
+                <a:t>Start</a:t>
+              </a:r>
+            </a:p>
+          </p:txBody>
+        </p:sp>
+        <p:sp>
+          <p:nvSpPr>
+            <p:cNvPr id="5" name="Rectangle 4"/>
+            <p:cNvSpPr/>
+            <p:nvPr/>
+          </p:nvSpPr>
+          <p:spPr>
+            <a:xfrm>
+              <a:off x="7524569" y="1884947"/>
+              <a:ext cx="1440000" cy="540000"/>
+            </a:xfrm>
+            <a:prstGeom prst="rect">
+              <a:avLst/>
+            </a:prstGeom>
             <a:solidFill>
-              <a:schemeClr val="tx1"/>
+              <a:schemeClr val="bg1"/>
             </a:solidFill>
-          </a:ln>
-        </p:spPr>
-        <p:style>
-          <a:lnRef idx="2">
-            <a:schemeClr val="accent1">
-              <a:shade val="50000"/>
-            </a:schemeClr>
-          </a:lnRef>
-          <a:fillRef idx="1">
-            <a:schemeClr val="accent1"/>
-          </a:fillRef>
-          <a:effectRef idx="0">
-            <a:schemeClr val="accent1"/>
-          </a:effectRef>
-          <a:fontRef idx="minor">
-            <a:schemeClr val="lt1"/>
-          </a:fontRef>
-        </p:style>
-        <p:txBody>
-          <a:bodyPr rtlCol="0" anchor="ctr"/>
-          <a:lstStyle/>
-          <a:p>
-            <a:pPr algn="ctr"/>
-            <a:r>
-              <a:rPr lang="en-US" sz="1100" dirty="0" smtClean="0">
-                <a:solidFill>
-                  <a:schemeClr val="tx1"/>
-                </a:solidFill>
-                <a:latin typeface="Arial" panose="020B0604020202020204" pitchFamily="34" charset="0"/>
-                <a:cs typeface="Arial" panose="020B0604020202020204" pitchFamily="34" charset="0"/>
-              </a:rPr>
-              <a:t>Perform assignment to first empty table</a:t>
-            </a:r>
-            <a:endParaRPr lang="en-US" sz="1100" dirty="0">
+            <a:ln w="6350">
               <a:solidFill>
                 <a:schemeClr val="tx1"/>
               </a:solidFill>
-              <a:latin typeface="Arial" panose="020B0604020202020204" pitchFamily="34" charset="0"/>
-              <a:cs typeface="Arial" panose="020B0604020202020204" pitchFamily="34" charset="0"/>
-            </a:endParaRPr>
-          </a:p>
-        </p:txBody>
-      </p:sp>
-      <p:sp>
-        <p:nvSpPr>
-          <p:cNvPr id="6" name="Rectangle 5"/>
-          <p:cNvSpPr/>
-          <p:nvPr/>
-        </p:nvSpPr>
-        <p:spPr>
-          <a:xfrm>
-            <a:off x="7524569" y="2947736"/>
-            <a:ext cx="1440000" cy="540000"/>
-          </a:xfrm>
-          <a:prstGeom prst="rect">
-            <a:avLst/>
-          </a:prstGeom>
-          <a:solidFill>
-            <a:schemeClr val="bg1"/>
-          </a:solidFill>
-          <a:ln w="6350">
+            </a:ln>
+          </p:spPr>
+          <p:style>
+            <a:lnRef idx="2">
+              <a:schemeClr val="accent1">
+                <a:shade val="50000"/>
+              </a:schemeClr>
+            </a:lnRef>
+            <a:fillRef idx="1">
+              <a:schemeClr val="accent1"/>
+            </a:fillRef>
+            <a:effectRef idx="0">
+              <a:schemeClr val="accent1"/>
+            </a:effectRef>
+            <a:fontRef idx="minor">
+              <a:schemeClr val="lt1"/>
+            </a:fontRef>
+          </p:style>
+          <p:txBody>
+            <a:bodyPr rtlCol="0" anchor="ctr"/>
+            <a:lstStyle/>
+            <a:p>
+              <a:pPr algn="ctr"/>
+              <a:r>
+                <a:rPr lang="en-US" sz="1100" dirty="0">
+                  <a:solidFill>
+                    <a:schemeClr val="tx1"/>
+                  </a:solidFill>
+                  <a:latin typeface="Arial" panose="020B0604020202020204" pitchFamily="34" charset="0"/>
+                  <a:cs typeface="Arial" panose="020B0604020202020204" pitchFamily="34" charset="0"/>
+                </a:rPr>
+                <a:t>Perform assignment to first empty table</a:t>
+              </a:r>
+            </a:p>
+          </p:txBody>
+        </p:sp>
+        <p:sp>
+          <p:nvSpPr>
+            <p:cNvPr id="6" name="Rectangle 5"/>
+            <p:cNvSpPr/>
+            <p:nvPr/>
+          </p:nvSpPr>
+          <p:spPr>
+            <a:xfrm>
+              <a:off x="7524569" y="2947736"/>
+              <a:ext cx="1440000" cy="540000"/>
+            </a:xfrm>
+            <a:prstGeom prst="rect">
+              <a:avLst/>
+            </a:prstGeom>
             <a:solidFill>
-              <a:schemeClr val="tx1"/>
+              <a:schemeClr val="bg1"/>
             </a:solidFill>
-          </a:ln>
-        </p:spPr>
-        <p:style>
-          <a:lnRef idx="2">
-            <a:schemeClr val="accent1">
-              <a:shade val="50000"/>
-            </a:schemeClr>
-          </a:lnRef>
-          <a:fillRef idx="1">
-            <a:schemeClr val="accent1"/>
-          </a:fillRef>
-          <a:effectRef idx="0">
-            <a:schemeClr val="accent1"/>
-          </a:effectRef>
-          <a:fontRef idx="minor">
-            <a:schemeClr val="lt1"/>
-          </a:fontRef>
-        </p:style>
-        <p:txBody>
-          <a:bodyPr rtlCol="0" anchor="ctr"/>
-          <a:lstStyle/>
-          <a:p>
-            <a:pPr algn="ctr"/>
-            <a:r>
-              <a:rPr lang="en-US" sz="1100" dirty="0" smtClean="0">
-                <a:solidFill>
-                  <a:schemeClr val="tx1"/>
-                </a:solidFill>
-                <a:latin typeface="Arial" panose="020B0604020202020204" pitchFamily="34" charset="0"/>
-                <a:cs typeface="Arial" panose="020B0604020202020204" pitchFamily="34" charset="0"/>
-              </a:rPr>
-              <a:t>Perform assignment to best available table</a:t>
-            </a:r>
-            <a:endParaRPr lang="en-US" sz="1100" dirty="0">
+            <a:ln w="6350">
               <a:solidFill>
                 <a:schemeClr val="tx1"/>
               </a:solidFill>
-              <a:latin typeface="Arial" panose="020B0604020202020204" pitchFamily="34" charset="0"/>
-              <a:cs typeface="Arial" panose="020B0604020202020204" pitchFamily="34" charset="0"/>
-            </a:endParaRPr>
-          </a:p>
-        </p:txBody>
-      </p:sp>
-      <p:sp>
-        <p:nvSpPr>
-          <p:cNvPr id="7" name="Rectangle 6"/>
-          <p:cNvSpPr/>
-          <p:nvPr/>
-        </p:nvSpPr>
-        <p:spPr>
-          <a:xfrm>
-            <a:off x="7524569" y="4010525"/>
-            <a:ext cx="1440000" cy="540000"/>
-          </a:xfrm>
-          <a:prstGeom prst="rect">
-            <a:avLst/>
-          </a:prstGeom>
-          <a:solidFill>
-            <a:schemeClr val="bg1"/>
-          </a:solidFill>
-          <a:ln w="6350">
+            </a:ln>
+          </p:spPr>
+          <p:style>
+            <a:lnRef idx="2">
+              <a:schemeClr val="accent1">
+                <a:shade val="50000"/>
+              </a:schemeClr>
+            </a:lnRef>
+            <a:fillRef idx="1">
+              <a:schemeClr val="accent1"/>
+            </a:fillRef>
+            <a:effectRef idx="0">
+              <a:schemeClr val="accent1"/>
+            </a:effectRef>
+            <a:fontRef idx="minor">
+              <a:schemeClr val="lt1"/>
+            </a:fontRef>
+          </p:style>
+          <p:txBody>
+            <a:bodyPr rtlCol="0" anchor="ctr"/>
+            <a:lstStyle/>
+            <a:p>
+              <a:pPr algn="ctr"/>
+              <a:r>
+                <a:rPr lang="en-US" sz="1100" dirty="0">
+                  <a:solidFill>
+                    <a:schemeClr val="tx1"/>
+                  </a:solidFill>
+                  <a:latin typeface="Arial" panose="020B0604020202020204" pitchFamily="34" charset="0"/>
+                  <a:cs typeface="Arial" panose="020B0604020202020204" pitchFamily="34" charset="0"/>
+                </a:rPr>
+                <a:t>Perform assignment to best available table</a:t>
+              </a:r>
+            </a:p>
+          </p:txBody>
+        </p:sp>
+        <p:sp>
+          <p:nvSpPr>
+            <p:cNvPr id="7" name="Rectangle 6"/>
+            <p:cNvSpPr/>
+            <p:nvPr/>
+          </p:nvSpPr>
+          <p:spPr>
+            <a:xfrm>
+              <a:off x="7524569" y="4010525"/>
+              <a:ext cx="1440000" cy="540000"/>
+            </a:xfrm>
+            <a:prstGeom prst="rect">
+              <a:avLst/>
+            </a:prstGeom>
             <a:solidFill>
-              <a:schemeClr val="tx1"/>
+              <a:schemeClr val="bg1"/>
             </a:solidFill>
-          </a:ln>
-        </p:spPr>
-        <p:style>
-          <a:lnRef idx="2">
-            <a:schemeClr val="accent1">
-              <a:shade val="50000"/>
-            </a:schemeClr>
-          </a:lnRef>
-          <a:fillRef idx="1">
-            <a:schemeClr val="accent1"/>
-          </a:fillRef>
-          <a:effectRef idx="0">
-            <a:schemeClr val="accent1"/>
-          </a:effectRef>
-          <a:fontRef idx="minor">
-            <a:schemeClr val="lt1"/>
-          </a:fontRef>
-        </p:style>
-        <p:txBody>
-          <a:bodyPr rtlCol="0" anchor="ctr"/>
-          <a:lstStyle/>
-          <a:p>
-            <a:pPr algn="ctr"/>
-            <a:r>
-              <a:rPr lang="en-US" sz="1100" dirty="0" smtClean="0">
-                <a:solidFill>
-                  <a:schemeClr val="tx1"/>
-                </a:solidFill>
-                <a:latin typeface="Arial" panose="020B0604020202020204" pitchFamily="34" charset="0"/>
-                <a:cs typeface="Arial" panose="020B0604020202020204" pitchFamily="34" charset="0"/>
-              </a:rPr>
-              <a:t>Perform assignment to random available table</a:t>
-            </a:r>
-            <a:endParaRPr lang="en-US" sz="1100" dirty="0">
+            <a:ln w="6350">
               <a:solidFill>
                 <a:schemeClr val="tx1"/>
               </a:solidFill>
-              <a:latin typeface="Arial" panose="020B0604020202020204" pitchFamily="34" charset="0"/>
-              <a:cs typeface="Arial" panose="020B0604020202020204" pitchFamily="34" charset="0"/>
-            </a:endParaRPr>
-          </a:p>
-        </p:txBody>
-      </p:sp>
-      <p:sp>
-        <p:nvSpPr>
-          <p:cNvPr id="8" name="Diamond 7"/>
-          <p:cNvSpPr/>
-          <p:nvPr/>
-        </p:nvSpPr>
-        <p:spPr>
-          <a:xfrm>
-            <a:off x="1756610" y="1884947"/>
-            <a:ext cx="1260000" cy="540000"/>
-          </a:xfrm>
-          <a:prstGeom prst="diamond">
-            <a:avLst/>
-          </a:prstGeom>
-          <a:solidFill>
-            <a:schemeClr val="bg1"/>
-          </a:solidFill>
-          <a:ln w="6350">
+            </a:ln>
+          </p:spPr>
+          <p:style>
+            <a:lnRef idx="2">
+              <a:schemeClr val="accent1">
+                <a:shade val="50000"/>
+              </a:schemeClr>
+            </a:lnRef>
+            <a:fillRef idx="1">
+              <a:schemeClr val="accent1"/>
+            </a:fillRef>
+            <a:effectRef idx="0">
+              <a:schemeClr val="accent1"/>
+            </a:effectRef>
+            <a:fontRef idx="minor">
+              <a:schemeClr val="lt1"/>
+            </a:fontRef>
+          </p:style>
+          <p:txBody>
+            <a:bodyPr rtlCol="0" anchor="ctr"/>
+            <a:lstStyle/>
+            <a:p>
+              <a:pPr algn="ctr"/>
+              <a:r>
+                <a:rPr lang="en-US" sz="1100" dirty="0">
+                  <a:solidFill>
+                    <a:schemeClr val="tx1"/>
+                  </a:solidFill>
+                  <a:latin typeface="Arial" panose="020B0604020202020204" pitchFamily="34" charset="0"/>
+                  <a:cs typeface="Arial" panose="020B0604020202020204" pitchFamily="34" charset="0"/>
+                </a:rPr>
+                <a:t>Perform assignment to random available table</a:t>
+              </a:r>
+            </a:p>
+          </p:txBody>
+        </p:sp>
+        <p:sp>
+          <p:nvSpPr>
+            <p:cNvPr id="8" name="Diamond 7"/>
+            <p:cNvSpPr/>
+            <p:nvPr/>
+          </p:nvSpPr>
+          <p:spPr>
+            <a:xfrm>
+              <a:off x="1756610" y="1884947"/>
+              <a:ext cx="1260000" cy="540000"/>
+            </a:xfrm>
+            <a:prstGeom prst="diamond">
+              <a:avLst/>
+            </a:prstGeom>
             <a:solidFill>
-              <a:schemeClr val="tx1"/>
+              <a:schemeClr val="bg1"/>
             </a:solidFill>
-          </a:ln>
-        </p:spPr>
-        <p:style>
-          <a:lnRef idx="2">
-            <a:schemeClr val="accent1">
-              <a:shade val="50000"/>
-            </a:schemeClr>
-          </a:lnRef>
-          <a:fillRef idx="1">
-            <a:schemeClr val="accent1"/>
-          </a:fillRef>
-          <a:effectRef idx="0">
-            <a:schemeClr val="accent1"/>
-          </a:effectRef>
-          <a:fontRef idx="minor">
-            <a:schemeClr val="lt1"/>
-          </a:fontRef>
-        </p:style>
-        <p:txBody>
-          <a:bodyPr lIns="36000" tIns="36000" rIns="36000" bIns="36000" rtlCol="0" anchor="ctr"/>
-          <a:lstStyle/>
-          <a:p>
-            <a:pPr algn="ctr"/>
-            <a:r>
-              <a:rPr lang="en-US" sz="1100" dirty="0" smtClean="0">
-                <a:solidFill>
-                  <a:schemeClr val="tx1"/>
-                </a:solidFill>
-                <a:latin typeface="Arial" panose="020B0604020202020204" pitchFamily="34" charset="0"/>
-                <a:cs typeface="Arial" panose="020B0604020202020204" pitchFamily="34" charset="0"/>
-              </a:rPr>
-              <a:t>Queue?</a:t>
-            </a:r>
-            <a:endParaRPr lang="en-US" sz="1100" dirty="0">
+            <a:ln w="6350">
               <a:solidFill>
                 <a:schemeClr val="tx1"/>
               </a:solidFill>
-              <a:latin typeface="Arial" panose="020B0604020202020204" pitchFamily="34" charset="0"/>
-              <a:cs typeface="Arial" panose="020B0604020202020204" pitchFamily="34" charset="0"/>
-            </a:endParaRPr>
-          </a:p>
-        </p:txBody>
-      </p:sp>
-      <p:sp>
-        <p:nvSpPr>
-          <p:cNvPr id="9" name="Diamond 8"/>
-          <p:cNvSpPr/>
-          <p:nvPr/>
-        </p:nvSpPr>
-        <p:spPr>
-          <a:xfrm>
-            <a:off x="3529263" y="1884947"/>
-            <a:ext cx="1260000" cy="540000"/>
-          </a:xfrm>
-          <a:prstGeom prst="diamond">
-            <a:avLst/>
-          </a:prstGeom>
-          <a:solidFill>
-            <a:schemeClr val="bg1"/>
-          </a:solidFill>
-          <a:ln w="6350">
+            </a:ln>
+          </p:spPr>
+          <p:style>
+            <a:lnRef idx="2">
+              <a:schemeClr val="accent1">
+                <a:shade val="50000"/>
+              </a:schemeClr>
+            </a:lnRef>
+            <a:fillRef idx="1">
+              <a:schemeClr val="accent1"/>
+            </a:fillRef>
+            <a:effectRef idx="0">
+              <a:schemeClr val="accent1"/>
+            </a:effectRef>
+            <a:fontRef idx="minor">
+              <a:schemeClr val="lt1"/>
+            </a:fontRef>
+          </p:style>
+          <p:txBody>
+            <a:bodyPr lIns="36000" tIns="36000" rIns="36000" bIns="36000" rtlCol="0" anchor="ctr"/>
+            <a:lstStyle/>
+            <a:p>
+              <a:pPr algn="ctr"/>
+              <a:r>
+                <a:rPr lang="en-US" sz="1100" dirty="0">
+                  <a:solidFill>
+                    <a:schemeClr val="tx1"/>
+                  </a:solidFill>
+                  <a:latin typeface="Arial" panose="020B0604020202020204" pitchFamily="34" charset="0"/>
+                  <a:cs typeface="Arial" panose="020B0604020202020204" pitchFamily="34" charset="0"/>
+                </a:rPr>
+                <a:t>Queue?</a:t>
+              </a:r>
+            </a:p>
+          </p:txBody>
+        </p:sp>
+        <p:sp>
+          <p:nvSpPr>
+            <p:cNvPr id="9" name="Diamond 8"/>
+            <p:cNvSpPr/>
+            <p:nvPr/>
+          </p:nvSpPr>
+          <p:spPr>
+            <a:xfrm>
+              <a:off x="3529263" y="1884947"/>
+              <a:ext cx="1260000" cy="540000"/>
+            </a:xfrm>
+            <a:prstGeom prst="diamond">
+              <a:avLst/>
+            </a:prstGeom>
             <a:solidFill>
-              <a:schemeClr val="tx1"/>
+              <a:schemeClr val="bg1"/>
             </a:solidFill>
-          </a:ln>
-        </p:spPr>
-        <p:style>
-          <a:lnRef idx="2">
-            <a:schemeClr val="accent1">
-              <a:shade val="50000"/>
-            </a:schemeClr>
-          </a:lnRef>
-          <a:fillRef idx="1">
-            <a:schemeClr val="accent1"/>
-          </a:fillRef>
-          <a:effectRef idx="0">
-            <a:schemeClr val="accent1"/>
-          </a:effectRef>
-          <a:fontRef idx="minor">
-            <a:schemeClr val="lt1"/>
-          </a:fontRef>
-        </p:style>
-        <p:txBody>
-          <a:bodyPr lIns="36000" tIns="36000" rIns="36000" bIns="36000" rtlCol="0" anchor="ctr"/>
-          <a:lstStyle/>
-          <a:p>
-            <a:pPr algn="ctr"/>
-            <a:r>
-              <a:rPr lang="en-US" sz="1100" dirty="0" smtClean="0">
-                <a:solidFill>
-                  <a:schemeClr val="tx1"/>
-                </a:solidFill>
-                <a:latin typeface="Arial" panose="020B0604020202020204" pitchFamily="34" charset="0"/>
-                <a:cs typeface="Arial" panose="020B0604020202020204" pitchFamily="34" charset="0"/>
-              </a:rPr>
-              <a:t>Empty tables?</a:t>
-            </a:r>
-            <a:endParaRPr lang="en-US" sz="1100" dirty="0">
+            <a:ln w="6350">
               <a:solidFill>
                 <a:schemeClr val="tx1"/>
               </a:solidFill>
-              <a:latin typeface="Arial" panose="020B0604020202020204" pitchFamily="34" charset="0"/>
-              <a:cs typeface="Arial" panose="020B0604020202020204" pitchFamily="34" charset="0"/>
-            </a:endParaRPr>
-          </a:p>
-        </p:txBody>
-      </p:sp>
-      <p:sp>
-        <p:nvSpPr>
-          <p:cNvPr id="10" name="Diamond 9"/>
-          <p:cNvSpPr/>
-          <p:nvPr/>
-        </p:nvSpPr>
-        <p:spPr>
-          <a:xfrm>
-            <a:off x="3439263" y="2947736"/>
-            <a:ext cx="1440000" cy="540000"/>
-          </a:xfrm>
-          <a:prstGeom prst="diamond">
-            <a:avLst/>
-          </a:prstGeom>
-          <a:solidFill>
-            <a:schemeClr val="bg1"/>
-          </a:solidFill>
-          <a:ln w="6350">
+            </a:ln>
+          </p:spPr>
+          <p:style>
+            <a:lnRef idx="2">
+              <a:schemeClr val="accent1">
+                <a:shade val="50000"/>
+              </a:schemeClr>
+            </a:lnRef>
+            <a:fillRef idx="1">
+              <a:schemeClr val="accent1"/>
+            </a:fillRef>
+            <a:effectRef idx="0">
+              <a:schemeClr val="accent1"/>
+            </a:effectRef>
+            <a:fontRef idx="minor">
+              <a:schemeClr val="lt1"/>
+            </a:fontRef>
+          </p:style>
+          <p:txBody>
+            <a:bodyPr lIns="36000" tIns="36000" rIns="36000" bIns="36000" rtlCol="0" anchor="ctr"/>
+            <a:lstStyle/>
+            <a:p>
+              <a:pPr algn="ctr"/>
+              <a:r>
+                <a:rPr lang="en-US" sz="1100" dirty="0">
+                  <a:solidFill>
+                    <a:schemeClr val="tx1"/>
+                  </a:solidFill>
+                  <a:latin typeface="Arial" panose="020B0604020202020204" pitchFamily="34" charset="0"/>
+                  <a:cs typeface="Arial" panose="020B0604020202020204" pitchFamily="34" charset="0"/>
+                </a:rPr>
+                <a:t>Empty tables?</a:t>
+              </a:r>
+            </a:p>
+          </p:txBody>
+        </p:sp>
+        <p:sp>
+          <p:nvSpPr>
+            <p:cNvPr id="10" name="Diamond 9"/>
+            <p:cNvSpPr/>
+            <p:nvPr/>
+          </p:nvSpPr>
+          <p:spPr>
+            <a:xfrm>
+              <a:off x="3439263" y="2947736"/>
+              <a:ext cx="1440000" cy="540000"/>
+            </a:xfrm>
+            <a:prstGeom prst="diamond">
+              <a:avLst/>
+            </a:prstGeom>
             <a:solidFill>
-              <a:schemeClr val="tx1"/>
+              <a:schemeClr val="bg1"/>
             </a:solidFill>
-          </a:ln>
-        </p:spPr>
-        <p:style>
-          <a:lnRef idx="2">
-            <a:schemeClr val="accent1">
-              <a:shade val="50000"/>
-            </a:schemeClr>
-          </a:lnRef>
-          <a:fillRef idx="1">
-            <a:schemeClr val="accent1"/>
-          </a:fillRef>
-          <a:effectRef idx="0">
-            <a:schemeClr val="accent1"/>
-          </a:effectRef>
-          <a:fontRef idx="minor">
-            <a:schemeClr val="lt1"/>
-          </a:fontRef>
-        </p:style>
-        <p:txBody>
-          <a:bodyPr lIns="36000" tIns="36000" rIns="36000" bIns="36000" rtlCol="0" anchor="ctr"/>
-          <a:lstStyle/>
-          <a:p>
-            <a:pPr algn="ctr"/>
-            <a:r>
-              <a:rPr lang="en-US" sz="1100" dirty="0" smtClean="0">
-                <a:solidFill>
-                  <a:schemeClr val="tx1"/>
-                </a:solidFill>
-                <a:latin typeface="Arial" panose="020B0604020202020204" pitchFamily="34" charset="0"/>
-                <a:cs typeface="Arial" panose="020B0604020202020204" pitchFamily="34" charset="0"/>
-              </a:rPr>
-              <a:t>Available tables?</a:t>
-            </a:r>
-            <a:endParaRPr lang="en-US" sz="1100" dirty="0">
+            <a:ln w="6350">
               <a:solidFill>
                 <a:schemeClr val="tx1"/>
               </a:solidFill>
-              <a:latin typeface="Arial" panose="020B0604020202020204" pitchFamily="34" charset="0"/>
-              <a:cs typeface="Arial" panose="020B0604020202020204" pitchFamily="34" charset="0"/>
-            </a:endParaRPr>
-          </a:p>
-        </p:txBody>
-      </p:sp>
-      <p:cxnSp>
-        <p:nvCxnSpPr>
-          <p:cNvPr id="12" name="Straight Arrow Connector 11"/>
-          <p:cNvCxnSpPr>
-            <a:stCxn id="4" idx="2"/>
-            <a:endCxn id="8" idx="0"/>
-          </p:cNvCxnSpPr>
-          <p:nvPr/>
-        </p:nvCxnSpPr>
-        <p:spPr>
-          <a:xfrm>
-            <a:off x="2386610" y="1253874"/>
-            <a:ext cx="0" cy="631073"/>
-          </a:xfrm>
-          <a:prstGeom prst="straightConnector1">
-            <a:avLst/>
-          </a:prstGeom>
-          <a:ln>
-            <a:solidFill>
-              <a:schemeClr val="tx1"/>
-            </a:solidFill>
-            <a:tailEnd type="triangle"/>
-          </a:ln>
-        </p:spPr>
-        <p:style>
-          <a:lnRef idx="1">
-            <a:schemeClr val="accent1"/>
-          </a:lnRef>
-          <a:fillRef idx="0">
-            <a:schemeClr val="accent1"/>
-          </a:fillRef>
-          <a:effectRef idx="0">
-            <a:schemeClr val="accent1"/>
-          </a:effectRef>
-          <a:fontRef idx="minor">
-            <a:schemeClr val="tx1"/>
-          </a:fontRef>
-        </p:style>
-      </p:cxnSp>
-      <p:cxnSp>
-        <p:nvCxnSpPr>
-          <p:cNvPr id="13" name="Straight Arrow Connector 12"/>
-          <p:cNvCxnSpPr>
-            <a:stCxn id="8" idx="3"/>
-            <a:endCxn id="9" idx="1"/>
-          </p:cNvCxnSpPr>
-          <p:nvPr/>
-        </p:nvCxnSpPr>
-        <p:spPr>
-          <a:xfrm>
-            <a:off x="3016610" y="2154947"/>
-            <a:ext cx="512653" cy="0"/>
-          </a:xfrm>
-          <a:prstGeom prst="straightConnector1">
-            <a:avLst/>
-          </a:prstGeom>
-          <a:ln>
-            <a:solidFill>
-              <a:schemeClr val="tx1"/>
-            </a:solidFill>
-            <a:tailEnd type="triangle"/>
-          </a:ln>
-        </p:spPr>
-        <p:style>
-          <a:lnRef idx="1">
-            <a:schemeClr val="accent1"/>
-          </a:lnRef>
-          <a:fillRef idx="0">
-            <a:schemeClr val="accent1"/>
-          </a:fillRef>
-          <a:effectRef idx="0">
-            <a:schemeClr val="accent1"/>
-          </a:effectRef>
-          <a:fontRef idx="minor">
-            <a:schemeClr val="tx1"/>
-          </a:fontRef>
-        </p:style>
-      </p:cxnSp>
-      <p:cxnSp>
-        <p:nvCxnSpPr>
-          <p:cNvPr id="16" name="Straight Arrow Connector 15"/>
-          <p:cNvCxnSpPr>
-            <a:stCxn id="9" idx="3"/>
-            <a:endCxn id="5" idx="1"/>
-          </p:cNvCxnSpPr>
-          <p:nvPr/>
-        </p:nvCxnSpPr>
-        <p:spPr>
-          <a:xfrm>
-            <a:off x="4789263" y="2154947"/>
-            <a:ext cx="2735306" cy="0"/>
-          </a:xfrm>
-          <a:prstGeom prst="straightConnector1">
-            <a:avLst/>
-          </a:prstGeom>
-          <a:ln>
-            <a:solidFill>
-              <a:schemeClr val="tx1"/>
-            </a:solidFill>
-            <a:tailEnd type="triangle"/>
-          </a:ln>
-        </p:spPr>
-        <p:style>
-          <a:lnRef idx="1">
-            <a:schemeClr val="accent1"/>
-          </a:lnRef>
-          <a:fillRef idx="0">
-            <a:schemeClr val="accent1"/>
-          </a:fillRef>
-          <a:effectRef idx="0">
-            <a:schemeClr val="accent1"/>
-          </a:effectRef>
-          <a:fontRef idx="minor">
-            <a:schemeClr val="tx1"/>
-          </a:fontRef>
-        </p:style>
-      </p:cxnSp>
-      <p:cxnSp>
-        <p:nvCxnSpPr>
-          <p:cNvPr id="19" name="Straight Arrow Connector 18"/>
-          <p:cNvCxnSpPr>
-            <a:stCxn id="9" idx="2"/>
-            <a:endCxn id="10" idx="0"/>
-          </p:cNvCxnSpPr>
-          <p:nvPr/>
-        </p:nvCxnSpPr>
-        <p:spPr>
-          <a:xfrm>
-            <a:off x="4159263" y="2424947"/>
-            <a:ext cx="0" cy="522789"/>
-          </a:xfrm>
-          <a:prstGeom prst="straightConnector1">
-            <a:avLst/>
-          </a:prstGeom>
-          <a:ln>
-            <a:solidFill>
-              <a:schemeClr val="tx1"/>
-            </a:solidFill>
-            <a:tailEnd type="triangle"/>
-          </a:ln>
-        </p:spPr>
-        <p:style>
-          <a:lnRef idx="1">
-            <a:schemeClr val="accent1"/>
-          </a:lnRef>
-          <a:fillRef idx="0">
-            <a:schemeClr val="accent1"/>
-          </a:fillRef>
-          <a:effectRef idx="0">
-            <a:schemeClr val="accent1"/>
-          </a:effectRef>
-          <a:fontRef idx="minor">
-            <a:schemeClr val="tx1"/>
-          </a:fontRef>
-        </p:style>
-      </p:cxnSp>
-      <p:sp>
-        <p:nvSpPr>
-          <p:cNvPr id="28" name="Diamond 27"/>
-          <p:cNvSpPr/>
-          <p:nvPr/>
-        </p:nvSpPr>
-        <p:spPr>
-          <a:xfrm>
-            <a:off x="5301916" y="2767736"/>
-            <a:ext cx="1800000" cy="900000"/>
-          </a:xfrm>
-          <a:prstGeom prst="diamond">
-            <a:avLst/>
-          </a:prstGeom>
-          <a:solidFill>
-            <a:schemeClr val="bg1"/>
-          </a:solidFill>
-          <a:ln w="6350">
-            <a:solidFill>
-              <a:schemeClr val="tx1"/>
-            </a:solidFill>
-          </a:ln>
-        </p:spPr>
-        <p:style>
-          <a:lnRef idx="2">
-            <a:schemeClr val="accent1">
-              <a:shade val="50000"/>
-            </a:schemeClr>
-          </a:lnRef>
-          <a:fillRef idx="1">
-            <a:schemeClr val="accent1"/>
-          </a:fillRef>
-          <a:effectRef idx="0">
-            <a:schemeClr val="accent1"/>
-          </a:effectRef>
-          <a:fontRef idx="minor">
-            <a:schemeClr val="lt1"/>
-          </a:fontRef>
-        </p:style>
-        <p:txBody>
-          <a:bodyPr lIns="36000" tIns="36000" rIns="36000" bIns="36000" rtlCol="0" anchor="ctr"/>
-          <a:lstStyle/>
-          <a:p>
-            <a:pPr algn="ctr"/>
-            <a:r>
-              <a:rPr lang="en-US" sz="1100" dirty="0" smtClean="0">
-                <a:solidFill>
-                  <a:schemeClr val="tx1"/>
-                </a:solidFill>
-                <a:latin typeface="Arial" panose="020B0604020202020204" pitchFamily="34" charset="0"/>
-                <a:cs typeface="Arial" panose="020B0604020202020204" pitchFamily="34" charset="0"/>
-              </a:rPr>
-              <a:t>Possible to fill a table completely?</a:t>
-            </a:r>
-            <a:endParaRPr lang="en-US" sz="1100" dirty="0">
+            </a:ln>
+          </p:spPr>
+          <p:style>
+            <a:lnRef idx="2">
+              <a:schemeClr val="accent1">
+                <a:shade val="50000"/>
+              </a:schemeClr>
+            </a:lnRef>
+            <a:fillRef idx="1">
+              <a:schemeClr val="accent1"/>
+            </a:fillRef>
+            <a:effectRef idx="0">
+              <a:schemeClr val="accent1"/>
+            </a:effectRef>
+            <a:fontRef idx="minor">
+              <a:schemeClr val="lt1"/>
+            </a:fontRef>
+          </p:style>
+          <p:txBody>
+            <a:bodyPr lIns="36000" tIns="36000" rIns="36000" bIns="36000" rtlCol="0" anchor="ctr"/>
+            <a:lstStyle/>
+            <a:p>
+              <a:pPr algn="ctr"/>
+              <a:r>
+                <a:rPr lang="en-US" sz="1100" dirty="0">
+                  <a:solidFill>
+                    <a:schemeClr val="tx1"/>
+                  </a:solidFill>
+                  <a:latin typeface="Arial" panose="020B0604020202020204" pitchFamily="34" charset="0"/>
+                  <a:cs typeface="Arial" panose="020B0604020202020204" pitchFamily="34" charset="0"/>
+                </a:rPr>
+                <a:t>Available tables?</a:t>
+              </a:r>
+            </a:p>
+          </p:txBody>
+        </p:sp>
+        <p:cxnSp>
+          <p:nvCxnSpPr>
+            <p:cNvPr id="12" name="Straight Arrow Connector 11"/>
+            <p:cNvCxnSpPr>
+              <a:stCxn id="4" idx="2"/>
+              <a:endCxn id="8" idx="0"/>
+            </p:cNvCxnSpPr>
+            <p:nvPr/>
+          </p:nvCxnSpPr>
+          <p:spPr>
+            <a:xfrm>
+              <a:off x="2386610" y="1253874"/>
+              <a:ext cx="0" cy="631073"/>
+            </a:xfrm>
+            <a:prstGeom prst="straightConnector1">
+              <a:avLst/>
+            </a:prstGeom>
+            <a:ln>
               <a:solidFill>
                 <a:schemeClr val="tx1"/>
               </a:solidFill>
-              <a:latin typeface="Arial" panose="020B0604020202020204" pitchFamily="34" charset="0"/>
-              <a:cs typeface="Arial" panose="020B0604020202020204" pitchFamily="34" charset="0"/>
-            </a:endParaRPr>
-          </a:p>
-        </p:txBody>
-      </p:sp>
-      <p:cxnSp>
-        <p:nvCxnSpPr>
-          <p:cNvPr id="30" name="Straight Arrow Connector 29"/>
-          <p:cNvCxnSpPr>
-            <a:stCxn id="10" idx="3"/>
-            <a:endCxn id="28" idx="1"/>
-          </p:cNvCxnSpPr>
-          <p:nvPr/>
-        </p:nvCxnSpPr>
-        <p:spPr>
-          <a:xfrm>
-            <a:off x="4879263" y="3217736"/>
-            <a:ext cx="422653" cy="0"/>
-          </a:xfrm>
-          <a:prstGeom prst="straightConnector1">
-            <a:avLst/>
-          </a:prstGeom>
-          <a:ln>
-            <a:solidFill>
+              <a:tailEnd type="triangle"/>
+            </a:ln>
+          </p:spPr>
+          <p:style>
+            <a:lnRef idx="1">
+              <a:schemeClr val="accent1"/>
+            </a:lnRef>
+            <a:fillRef idx="0">
+              <a:schemeClr val="accent1"/>
+            </a:fillRef>
+            <a:effectRef idx="0">
+              <a:schemeClr val="accent1"/>
+            </a:effectRef>
+            <a:fontRef idx="minor">
               <a:schemeClr val="tx1"/>
-            </a:solidFill>
-            <a:tailEnd type="triangle"/>
-          </a:ln>
-        </p:spPr>
-        <p:style>
-          <a:lnRef idx="1">
-            <a:schemeClr val="accent1"/>
-          </a:lnRef>
-          <a:fillRef idx="0">
-            <a:schemeClr val="accent1"/>
-          </a:fillRef>
-          <a:effectRef idx="0">
-            <a:schemeClr val="accent1"/>
-          </a:effectRef>
-          <a:fontRef idx="minor">
-            <a:schemeClr val="tx1"/>
-          </a:fontRef>
-        </p:style>
-      </p:cxnSp>
-      <p:cxnSp>
-        <p:nvCxnSpPr>
-          <p:cNvPr id="35" name="Straight Arrow Connector 34"/>
-          <p:cNvCxnSpPr>
-            <a:stCxn id="28" idx="3"/>
-            <a:endCxn id="6" idx="1"/>
-          </p:cNvCxnSpPr>
-          <p:nvPr/>
-        </p:nvCxnSpPr>
-        <p:spPr>
-          <a:xfrm>
-            <a:off x="7101916" y="3217736"/>
-            <a:ext cx="422653" cy="0"/>
-          </a:xfrm>
-          <a:prstGeom prst="straightConnector1">
-            <a:avLst/>
-          </a:prstGeom>
-          <a:ln>
-            <a:solidFill>
-              <a:schemeClr val="tx1"/>
-            </a:solidFill>
-            <a:tailEnd type="triangle"/>
-          </a:ln>
-        </p:spPr>
-        <p:style>
-          <a:lnRef idx="1">
-            <a:schemeClr val="accent1"/>
-          </a:lnRef>
-          <a:fillRef idx="0">
-            <a:schemeClr val="accent1"/>
-          </a:fillRef>
-          <a:effectRef idx="0">
-            <a:schemeClr val="accent1"/>
-          </a:effectRef>
-          <a:fontRef idx="minor">
-            <a:schemeClr val="tx1"/>
-          </a:fontRef>
-        </p:style>
-      </p:cxnSp>
-      <p:sp>
-        <p:nvSpPr>
-          <p:cNvPr id="39" name="Rectangle 38"/>
-          <p:cNvSpPr/>
-          <p:nvPr/>
-        </p:nvSpPr>
-        <p:spPr>
-          <a:xfrm>
-            <a:off x="7524569" y="5069302"/>
-            <a:ext cx="1440000" cy="540000"/>
-          </a:xfrm>
-          <a:prstGeom prst="rect">
-            <a:avLst/>
-          </a:prstGeom>
-          <a:solidFill>
-            <a:schemeClr val="bg1"/>
-          </a:solidFill>
-          <a:ln w="6350">
-            <a:solidFill>
-              <a:schemeClr val="tx1"/>
-            </a:solidFill>
-          </a:ln>
-        </p:spPr>
-        <p:style>
-          <a:lnRef idx="2">
-            <a:schemeClr val="accent1">
-              <a:shade val="50000"/>
-            </a:schemeClr>
-          </a:lnRef>
-          <a:fillRef idx="1">
-            <a:schemeClr val="accent1"/>
-          </a:fillRef>
-          <a:effectRef idx="0">
-            <a:schemeClr val="accent1"/>
-          </a:effectRef>
-          <a:fontRef idx="minor">
-            <a:schemeClr val="lt1"/>
-          </a:fontRef>
-        </p:style>
-        <p:txBody>
-          <a:bodyPr rtlCol="0" anchor="ctr"/>
-          <a:lstStyle/>
-          <a:p>
-            <a:pPr algn="ctr"/>
-            <a:r>
-              <a:rPr lang="en-US" sz="1100" dirty="0" smtClean="0">
-                <a:solidFill>
-                  <a:schemeClr val="tx1"/>
-                </a:solidFill>
-                <a:latin typeface="Arial" panose="020B0604020202020204" pitchFamily="34" charset="0"/>
-                <a:cs typeface="Arial" panose="020B0604020202020204" pitchFamily="34" charset="0"/>
-              </a:rPr>
-              <a:t>Finish</a:t>
-            </a:r>
-            <a:endParaRPr lang="en-US" sz="1100" dirty="0">
+            </a:fontRef>
+          </p:style>
+        </p:cxnSp>
+        <p:cxnSp>
+          <p:nvCxnSpPr>
+            <p:cNvPr id="13" name="Straight Arrow Connector 12"/>
+            <p:cNvCxnSpPr>
+              <a:stCxn id="8" idx="3"/>
+              <a:endCxn id="9" idx="1"/>
+            </p:cNvCxnSpPr>
+            <p:nvPr/>
+          </p:nvCxnSpPr>
+          <p:spPr>
+            <a:xfrm>
+              <a:off x="3016610" y="2154947"/>
+              <a:ext cx="512653" cy="0"/>
+            </a:xfrm>
+            <a:prstGeom prst="straightConnector1">
+              <a:avLst/>
+            </a:prstGeom>
+            <a:ln>
               <a:solidFill>
                 <a:schemeClr val="tx1"/>
               </a:solidFill>
-              <a:latin typeface="Arial" panose="020B0604020202020204" pitchFamily="34" charset="0"/>
-              <a:cs typeface="Arial" panose="020B0604020202020204" pitchFamily="34" charset="0"/>
-            </a:endParaRPr>
-          </a:p>
-        </p:txBody>
-      </p:sp>
-      <p:cxnSp>
-        <p:nvCxnSpPr>
-          <p:cNvPr id="41" name="Elbow Connector 40"/>
-          <p:cNvCxnSpPr>
-            <a:stCxn id="8" idx="2"/>
-            <a:endCxn id="10" idx="1"/>
-          </p:cNvCxnSpPr>
-          <p:nvPr/>
-        </p:nvCxnSpPr>
-        <p:spPr>
-          <a:xfrm rot="16200000" flipH="1">
-            <a:off x="2516542" y="2295014"/>
-            <a:ext cx="792789" cy="1052653"/>
-          </a:xfrm>
-          <a:prstGeom prst="bentConnector2">
-            <a:avLst/>
-          </a:prstGeom>
-          <a:ln>
+              <a:tailEnd type="triangle"/>
+            </a:ln>
+          </p:spPr>
+          <p:style>
+            <a:lnRef idx="1">
+              <a:schemeClr val="accent1"/>
+            </a:lnRef>
+            <a:fillRef idx="0">
+              <a:schemeClr val="accent1"/>
+            </a:fillRef>
+            <a:effectRef idx="0">
+              <a:schemeClr val="accent1"/>
+            </a:effectRef>
+            <a:fontRef idx="minor">
+              <a:schemeClr val="tx1"/>
+            </a:fontRef>
+          </p:style>
+        </p:cxnSp>
+        <p:cxnSp>
+          <p:nvCxnSpPr>
+            <p:cNvPr id="16" name="Straight Arrow Connector 15"/>
+            <p:cNvCxnSpPr>
+              <a:stCxn id="9" idx="3"/>
+              <a:endCxn id="5" idx="1"/>
+            </p:cNvCxnSpPr>
+            <p:nvPr/>
+          </p:nvCxnSpPr>
+          <p:spPr>
+            <a:xfrm>
+              <a:off x="4789263" y="2154947"/>
+              <a:ext cx="2735306" cy="0"/>
+            </a:xfrm>
+            <a:prstGeom prst="straightConnector1">
+              <a:avLst/>
+            </a:prstGeom>
+            <a:ln>
+              <a:solidFill>
+                <a:schemeClr val="tx1"/>
+              </a:solidFill>
+              <a:tailEnd type="triangle"/>
+            </a:ln>
+          </p:spPr>
+          <p:style>
+            <a:lnRef idx="1">
+              <a:schemeClr val="accent1"/>
+            </a:lnRef>
+            <a:fillRef idx="0">
+              <a:schemeClr val="accent1"/>
+            </a:fillRef>
+            <a:effectRef idx="0">
+              <a:schemeClr val="accent1"/>
+            </a:effectRef>
+            <a:fontRef idx="minor">
+              <a:schemeClr val="tx1"/>
+            </a:fontRef>
+          </p:style>
+        </p:cxnSp>
+        <p:cxnSp>
+          <p:nvCxnSpPr>
+            <p:cNvPr id="19" name="Straight Arrow Connector 18"/>
+            <p:cNvCxnSpPr>
+              <a:stCxn id="9" idx="2"/>
+              <a:endCxn id="10" idx="0"/>
+            </p:cNvCxnSpPr>
+            <p:nvPr/>
+          </p:nvCxnSpPr>
+          <p:spPr>
+            <a:xfrm>
+              <a:off x="4159263" y="2424947"/>
+              <a:ext cx="0" cy="522789"/>
+            </a:xfrm>
+            <a:prstGeom prst="straightConnector1">
+              <a:avLst/>
+            </a:prstGeom>
+            <a:ln>
+              <a:solidFill>
+                <a:schemeClr val="tx1"/>
+              </a:solidFill>
+              <a:tailEnd type="triangle"/>
+            </a:ln>
+          </p:spPr>
+          <p:style>
+            <a:lnRef idx="1">
+              <a:schemeClr val="accent1"/>
+            </a:lnRef>
+            <a:fillRef idx="0">
+              <a:schemeClr val="accent1"/>
+            </a:fillRef>
+            <a:effectRef idx="0">
+              <a:schemeClr val="accent1"/>
+            </a:effectRef>
+            <a:fontRef idx="minor">
+              <a:schemeClr val="tx1"/>
+            </a:fontRef>
+          </p:style>
+        </p:cxnSp>
+        <p:sp>
+          <p:nvSpPr>
+            <p:cNvPr id="28" name="Diamond 27"/>
+            <p:cNvSpPr/>
+            <p:nvPr/>
+          </p:nvSpPr>
+          <p:spPr>
+            <a:xfrm>
+              <a:off x="5301916" y="2767736"/>
+              <a:ext cx="1800000" cy="900000"/>
+            </a:xfrm>
+            <a:prstGeom prst="diamond">
+              <a:avLst/>
+            </a:prstGeom>
             <a:solidFill>
+              <a:schemeClr val="bg1"/>
+            </a:solidFill>
+            <a:ln w="6350">
+              <a:solidFill>
+                <a:schemeClr val="tx1"/>
+              </a:solidFill>
+            </a:ln>
+          </p:spPr>
+          <p:style>
+            <a:lnRef idx="2">
+              <a:schemeClr val="accent1">
+                <a:shade val="50000"/>
+              </a:schemeClr>
+            </a:lnRef>
+            <a:fillRef idx="1">
+              <a:schemeClr val="accent1"/>
+            </a:fillRef>
+            <a:effectRef idx="0">
+              <a:schemeClr val="accent1"/>
+            </a:effectRef>
+            <a:fontRef idx="minor">
+              <a:schemeClr val="lt1"/>
+            </a:fontRef>
+          </p:style>
+          <p:txBody>
+            <a:bodyPr lIns="36000" tIns="36000" rIns="36000" bIns="36000" rtlCol="0" anchor="ctr"/>
+            <a:lstStyle/>
+            <a:p>
+              <a:pPr algn="ctr"/>
+              <a:r>
+                <a:rPr lang="en-US" sz="1100" dirty="0">
+                  <a:solidFill>
+                    <a:schemeClr val="tx1"/>
+                  </a:solidFill>
+                  <a:latin typeface="Arial" panose="020B0604020202020204" pitchFamily="34" charset="0"/>
+                  <a:cs typeface="Arial" panose="020B0604020202020204" pitchFamily="34" charset="0"/>
+                </a:rPr>
+                <a:t>Possible to fill a table completely?</a:t>
+              </a:r>
+            </a:p>
+          </p:txBody>
+        </p:sp>
+        <p:cxnSp>
+          <p:nvCxnSpPr>
+            <p:cNvPr id="30" name="Straight Arrow Connector 29"/>
+            <p:cNvCxnSpPr>
+              <a:stCxn id="10" idx="3"/>
+              <a:endCxn id="28" idx="1"/>
+            </p:cNvCxnSpPr>
+            <p:nvPr/>
+          </p:nvCxnSpPr>
+          <p:spPr>
+            <a:xfrm>
+              <a:off x="4879263" y="3217736"/>
+              <a:ext cx="422653" cy="0"/>
+            </a:xfrm>
+            <a:prstGeom prst="straightConnector1">
+              <a:avLst/>
+            </a:prstGeom>
+            <a:ln>
+              <a:solidFill>
+                <a:schemeClr val="tx1"/>
+              </a:solidFill>
+              <a:tailEnd type="triangle"/>
+            </a:ln>
+          </p:spPr>
+          <p:style>
+            <a:lnRef idx="1">
+              <a:schemeClr val="accent1"/>
+            </a:lnRef>
+            <a:fillRef idx="0">
+              <a:schemeClr val="accent1"/>
+            </a:fillRef>
+            <a:effectRef idx="0">
+              <a:schemeClr val="accent1"/>
+            </a:effectRef>
+            <a:fontRef idx="minor">
               <a:schemeClr val="tx1"/>
+            </a:fontRef>
+          </p:style>
+        </p:cxnSp>
+        <p:cxnSp>
+          <p:nvCxnSpPr>
+            <p:cNvPr id="35" name="Straight Arrow Connector 34"/>
+            <p:cNvCxnSpPr>
+              <a:stCxn id="28" idx="3"/>
+              <a:endCxn id="6" idx="1"/>
+            </p:cNvCxnSpPr>
+            <p:nvPr/>
+          </p:nvCxnSpPr>
+          <p:spPr>
+            <a:xfrm>
+              <a:off x="7101916" y="3217736"/>
+              <a:ext cx="422653" cy="0"/>
+            </a:xfrm>
+            <a:prstGeom prst="straightConnector1">
+              <a:avLst/>
+            </a:prstGeom>
+            <a:ln>
+              <a:solidFill>
+                <a:schemeClr val="tx1"/>
+              </a:solidFill>
+              <a:tailEnd type="triangle"/>
+            </a:ln>
+          </p:spPr>
+          <p:style>
+            <a:lnRef idx="1">
+              <a:schemeClr val="accent1"/>
+            </a:lnRef>
+            <a:fillRef idx="0">
+              <a:schemeClr val="accent1"/>
+            </a:fillRef>
+            <a:effectRef idx="0">
+              <a:schemeClr val="accent1"/>
+            </a:effectRef>
+            <a:fontRef idx="minor">
+              <a:schemeClr val="tx1"/>
+            </a:fontRef>
+          </p:style>
+        </p:cxnSp>
+        <p:sp>
+          <p:nvSpPr>
+            <p:cNvPr id="39" name="Rectangle 38"/>
+            <p:cNvSpPr/>
+            <p:nvPr/>
+          </p:nvSpPr>
+          <p:spPr>
+            <a:xfrm>
+              <a:off x="7524569" y="5069302"/>
+              <a:ext cx="1440000" cy="540000"/>
+            </a:xfrm>
+            <a:prstGeom prst="rect">
+              <a:avLst/>
+            </a:prstGeom>
+            <a:solidFill>
+              <a:schemeClr val="bg1"/>
             </a:solidFill>
-            <a:tailEnd type="triangle"/>
-          </a:ln>
-        </p:spPr>
-        <p:style>
-          <a:lnRef idx="1">
-            <a:schemeClr val="accent1"/>
-          </a:lnRef>
-          <a:fillRef idx="0">
-            <a:schemeClr val="accent1"/>
-          </a:fillRef>
-          <a:effectRef idx="0">
-            <a:schemeClr val="accent1"/>
-          </a:effectRef>
-          <a:fontRef idx="minor">
-            <a:schemeClr val="tx1"/>
-          </a:fontRef>
-        </p:style>
-      </p:cxnSp>
-      <p:cxnSp>
-        <p:nvCxnSpPr>
-          <p:cNvPr id="42" name="Elbow Connector 41"/>
-          <p:cNvCxnSpPr>
-            <a:stCxn id="10" idx="2"/>
-            <a:endCxn id="39" idx="1"/>
-          </p:cNvCxnSpPr>
-          <p:nvPr/>
-        </p:nvCxnSpPr>
-        <p:spPr>
-          <a:xfrm rot="16200000" flipH="1">
-            <a:off x="4916133" y="2730866"/>
-            <a:ext cx="1851566" cy="3365306"/>
-          </a:xfrm>
-          <a:prstGeom prst="bentConnector2">
-            <a:avLst/>
-          </a:prstGeom>
-          <a:ln>
-            <a:solidFill>
+            <a:ln w="6350">
+              <a:solidFill>
+                <a:schemeClr val="tx1"/>
+              </a:solidFill>
+            </a:ln>
+          </p:spPr>
+          <p:style>
+            <a:lnRef idx="2">
+              <a:schemeClr val="accent1">
+                <a:shade val="50000"/>
+              </a:schemeClr>
+            </a:lnRef>
+            <a:fillRef idx="1">
+              <a:schemeClr val="accent1"/>
+            </a:fillRef>
+            <a:effectRef idx="0">
+              <a:schemeClr val="accent1"/>
+            </a:effectRef>
+            <a:fontRef idx="minor">
+              <a:schemeClr val="lt1"/>
+            </a:fontRef>
+          </p:style>
+          <p:txBody>
+            <a:bodyPr rtlCol="0" anchor="ctr"/>
+            <a:lstStyle/>
+            <a:p>
+              <a:pPr algn="ctr"/>
+              <a:r>
+                <a:rPr lang="en-US" sz="1100" dirty="0">
+                  <a:solidFill>
+                    <a:schemeClr val="tx1"/>
+                  </a:solidFill>
+                  <a:latin typeface="Arial" panose="020B0604020202020204" pitchFamily="34" charset="0"/>
+                  <a:cs typeface="Arial" panose="020B0604020202020204" pitchFamily="34" charset="0"/>
+                </a:rPr>
+                <a:t>Finish</a:t>
+              </a:r>
+            </a:p>
+          </p:txBody>
+        </p:sp>
+        <p:cxnSp>
+          <p:nvCxnSpPr>
+            <p:cNvPr id="41" name="Elbow Connector 40"/>
+            <p:cNvCxnSpPr>
+              <a:stCxn id="8" idx="2"/>
+              <a:endCxn id="10" idx="1"/>
+            </p:cNvCxnSpPr>
+            <p:nvPr/>
+          </p:nvCxnSpPr>
+          <p:spPr>
+            <a:xfrm rot="16200000" flipH="1">
+              <a:off x="2516542" y="2295014"/>
+              <a:ext cx="792789" cy="1052653"/>
+            </a:xfrm>
+            <a:prstGeom prst="bentConnector2">
+              <a:avLst/>
+            </a:prstGeom>
+            <a:ln>
+              <a:solidFill>
+                <a:schemeClr val="tx1"/>
+              </a:solidFill>
+              <a:tailEnd type="triangle"/>
+            </a:ln>
+          </p:spPr>
+          <p:style>
+            <a:lnRef idx="1">
+              <a:schemeClr val="accent1"/>
+            </a:lnRef>
+            <a:fillRef idx="0">
+              <a:schemeClr val="accent1"/>
+            </a:fillRef>
+            <a:effectRef idx="0">
+              <a:schemeClr val="accent1"/>
+            </a:effectRef>
+            <a:fontRef idx="minor">
               <a:schemeClr val="tx1"/>
-            </a:solidFill>
-            <a:tailEnd type="triangle"/>
-          </a:ln>
-        </p:spPr>
-        <p:style>
-          <a:lnRef idx="1">
-            <a:schemeClr val="accent1"/>
-          </a:lnRef>
-          <a:fillRef idx="0">
-            <a:schemeClr val="accent1"/>
-          </a:fillRef>
-          <a:effectRef idx="0">
-            <a:schemeClr val="accent1"/>
-          </a:effectRef>
-          <a:fontRef idx="minor">
-            <a:schemeClr val="tx1"/>
-          </a:fontRef>
-        </p:style>
-      </p:cxnSp>
-      <p:cxnSp>
-        <p:nvCxnSpPr>
-          <p:cNvPr id="46" name="Elbow Connector 45"/>
-          <p:cNvCxnSpPr>
-            <a:stCxn id="5" idx="3"/>
-            <a:endCxn id="39" idx="3"/>
-          </p:cNvCxnSpPr>
-          <p:nvPr/>
-        </p:nvCxnSpPr>
-        <p:spPr>
-          <a:xfrm>
-            <a:off x="8964569" y="2154947"/>
-            <a:ext cx="12700" cy="3184355"/>
-          </a:xfrm>
-          <a:prstGeom prst="bentConnector3">
-            <a:avLst>
-              <a:gd name="adj1" fmla="val 1800000"/>
-            </a:avLst>
-          </a:prstGeom>
-          <a:ln>
-            <a:solidFill>
+            </a:fontRef>
+          </p:style>
+        </p:cxnSp>
+        <p:cxnSp>
+          <p:nvCxnSpPr>
+            <p:cNvPr id="42" name="Elbow Connector 41"/>
+            <p:cNvCxnSpPr>
+              <a:stCxn id="10" idx="2"/>
+              <a:endCxn id="39" idx="1"/>
+            </p:cNvCxnSpPr>
+            <p:nvPr/>
+          </p:nvCxnSpPr>
+          <p:spPr>
+            <a:xfrm rot="16200000" flipH="1">
+              <a:off x="4916133" y="2730866"/>
+              <a:ext cx="1851566" cy="3365306"/>
+            </a:xfrm>
+            <a:prstGeom prst="bentConnector2">
+              <a:avLst/>
+            </a:prstGeom>
+            <a:ln>
+              <a:solidFill>
+                <a:schemeClr val="tx1"/>
+              </a:solidFill>
+              <a:tailEnd type="triangle"/>
+            </a:ln>
+          </p:spPr>
+          <p:style>
+            <a:lnRef idx="1">
+              <a:schemeClr val="accent1"/>
+            </a:lnRef>
+            <a:fillRef idx="0">
+              <a:schemeClr val="accent1"/>
+            </a:fillRef>
+            <a:effectRef idx="0">
+              <a:schemeClr val="accent1"/>
+            </a:effectRef>
+            <a:fontRef idx="minor">
               <a:schemeClr val="tx1"/>
-            </a:solidFill>
-            <a:tailEnd type="triangle"/>
-          </a:ln>
-        </p:spPr>
-        <p:style>
-          <a:lnRef idx="1">
-            <a:schemeClr val="accent1"/>
-          </a:lnRef>
-          <a:fillRef idx="0">
-            <a:schemeClr val="accent1"/>
-          </a:fillRef>
-          <a:effectRef idx="0">
-            <a:schemeClr val="accent1"/>
-          </a:effectRef>
-          <a:fontRef idx="minor">
-            <a:schemeClr val="tx1"/>
-          </a:fontRef>
-        </p:style>
-      </p:cxnSp>
-      <p:cxnSp>
-        <p:nvCxnSpPr>
-          <p:cNvPr id="49" name="Elbow Connector 48"/>
-          <p:cNvCxnSpPr>
-            <a:stCxn id="6" idx="3"/>
-            <a:endCxn id="39" idx="3"/>
-          </p:cNvCxnSpPr>
-          <p:nvPr/>
-        </p:nvCxnSpPr>
-        <p:spPr>
-          <a:xfrm>
-            <a:off x="8964569" y="3217736"/>
-            <a:ext cx="12700" cy="2121566"/>
-          </a:xfrm>
-          <a:prstGeom prst="bentConnector3">
-            <a:avLst>
-              <a:gd name="adj1" fmla="val 1800000"/>
-            </a:avLst>
-          </a:prstGeom>
-          <a:ln>
-            <a:solidFill>
+            </a:fontRef>
+          </p:style>
+        </p:cxnSp>
+        <p:cxnSp>
+          <p:nvCxnSpPr>
+            <p:cNvPr id="46" name="Elbow Connector 45"/>
+            <p:cNvCxnSpPr>
+              <a:stCxn id="5" idx="3"/>
+              <a:endCxn id="39" idx="3"/>
+            </p:cNvCxnSpPr>
+            <p:nvPr/>
+          </p:nvCxnSpPr>
+          <p:spPr>
+            <a:xfrm>
+              <a:off x="8964569" y="2154947"/>
+              <a:ext cx="12700" cy="3184355"/>
+            </a:xfrm>
+            <a:prstGeom prst="bentConnector3">
+              <a:avLst>
+                <a:gd name="adj1" fmla="val 1800000"/>
+              </a:avLst>
+            </a:prstGeom>
+            <a:ln>
+              <a:solidFill>
+                <a:schemeClr val="tx1"/>
+              </a:solidFill>
+              <a:tailEnd type="triangle"/>
+            </a:ln>
+          </p:spPr>
+          <p:style>
+            <a:lnRef idx="1">
+              <a:schemeClr val="accent1"/>
+            </a:lnRef>
+            <a:fillRef idx="0">
+              <a:schemeClr val="accent1"/>
+            </a:fillRef>
+            <a:effectRef idx="0">
+              <a:schemeClr val="accent1"/>
+            </a:effectRef>
+            <a:fontRef idx="minor">
               <a:schemeClr val="tx1"/>
-            </a:solidFill>
-            <a:tailEnd type="triangle"/>
-          </a:ln>
-        </p:spPr>
-        <p:style>
-          <a:lnRef idx="1">
-            <a:schemeClr val="accent1"/>
-          </a:lnRef>
-          <a:fillRef idx="0">
-            <a:schemeClr val="accent1"/>
-          </a:fillRef>
-          <a:effectRef idx="0">
-            <a:schemeClr val="accent1"/>
-          </a:effectRef>
-          <a:fontRef idx="minor">
-            <a:schemeClr val="tx1"/>
-          </a:fontRef>
-        </p:style>
-      </p:cxnSp>
-      <p:cxnSp>
-        <p:nvCxnSpPr>
-          <p:cNvPr id="52" name="Elbow Connector 51"/>
-          <p:cNvCxnSpPr>
-            <a:stCxn id="7" idx="3"/>
-            <a:endCxn id="39" idx="3"/>
-          </p:cNvCxnSpPr>
-          <p:nvPr/>
-        </p:nvCxnSpPr>
-        <p:spPr>
-          <a:xfrm>
-            <a:off x="8964569" y="4280525"/>
-            <a:ext cx="12700" cy="1058777"/>
-          </a:xfrm>
-          <a:prstGeom prst="bentConnector3">
-            <a:avLst>
-              <a:gd name="adj1" fmla="val 1800000"/>
-            </a:avLst>
-          </a:prstGeom>
-          <a:ln>
-            <a:solidFill>
+            </a:fontRef>
+          </p:style>
+        </p:cxnSp>
+        <p:cxnSp>
+          <p:nvCxnSpPr>
+            <p:cNvPr id="49" name="Elbow Connector 48"/>
+            <p:cNvCxnSpPr>
+              <a:stCxn id="6" idx="3"/>
+              <a:endCxn id="39" idx="3"/>
+            </p:cNvCxnSpPr>
+            <p:nvPr/>
+          </p:nvCxnSpPr>
+          <p:spPr>
+            <a:xfrm>
+              <a:off x="8964569" y="3217736"/>
+              <a:ext cx="12700" cy="2121566"/>
+            </a:xfrm>
+            <a:prstGeom prst="bentConnector3">
+              <a:avLst>
+                <a:gd name="adj1" fmla="val 1800000"/>
+              </a:avLst>
+            </a:prstGeom>
+            <a:ln>
+              <a:solidFill>
+                <a:schemeClr val="tx1"/>
+              </a:solidFill>
+              <a:tailEnd type="triangle"/>
+            </a:ln>
+          </p:spPr>
+          <p:style>
+            <a:lnRef idx="1">
+              <a:schemeClr val="accent1"/>
+            </a:lnRef>
+            <a:fillRef idx="0">
+              <a:schemeClr val="accent1"/>
+            </a:fillRef>
+            <a:effectRef idx="0">
+              <a:schemeClr val="accent1"/>
+            </a:effectRef>
+            <a:fontRef idx="minor">
               <a:schemeClr val="tx1"/>
-            </a:solidFill>
-            <a:tailEnd type="triangle"/>
-          </a:ln>
-        </p:spPr>
-        <p:style>
-          <a:lnRef idx="1">
-            <a:schemeClr val="accent1"/>
-          </a:lnRef>
-          <a:fillRef idx="0">
-            <a:schemeClr val="accent1"/>
-          </a:fillRef>
-          <a:effectRef idx="0">
-            <a:schemeClr val="accent1"/>
-          </a:effectRef>
-          <a:fontRef idx="minor">
-            <a:schemeClr val="tx1"/>
-          </a:fontRef>
-        </p:style>
-      </p:cxnSp>
-      <p:cxnSp>
-        <p:nvCxnSpPr>
-          <p:cNvPr id="55" name="Elbow Connector 54"/>
-          <p:cNvCxnSpPr>
-            <a:stCxn id="28" idx="2"/>
-            <a:endCxn id="7" idx="1"/>
-          </p:cNvCxnSpPr>
-          <p:nvPr/>
-        </p:nvCxnSpPr>
-        <p:spPr>
-          <a:xfrm rot="16200000" flipH="1">
-            <a:off x="6556848" y="3312803"/>
-            <a:ext cx="612789" cy="1322653"/>
-          </a:xfrm>
-          <a:prstGeom prst="bentConnector2">
-            <a:avLst/>
-          </a:prstGeom>
-          <a:ln>
-            <a:solidFill>
+            </a:fontRef>
+          </p:style>
+        </p:cxnSp>
+        <p:cxnSp>
+          <p:nvCxnSpPr>
+            <p:cNvPr id="52" name="Elbow Connector 51"/>
+            <p:cNvCxnSpPr>
+              <a:stCxn id="7" idx="3"/>
+              <a:endCxn id="39" idx="3"/>
+            </p:cNvCxnSpPr>
+            <p:nvPr/>
+          </p:nvCxnSpPr>
+          <p:spPr>
+            <a:xfrm>
+              <a:off x="8964569" y="4280525"/>
+              <a:ext cx="12700" cy="1058777"/>
+            </a:xfrm>
+            <a:prstGeom prst="bentConnector3">
+              <a:avLst>
+                <a:gd name="adj1" fmla="val 1800000"/>
+              </a:avLst>
+            </a:prstGeom>
+            <a:ln>
+              <a:solidFill>
+                <a:schemeClr val="tx1"/>
+              </a:solidFill>
+              <a:tailEnd type="triangle"/>
+            </a:ln>
+          </p:spPr>
+          <p:style>
+            <a:lnRef idx="1">
+              <a:schemeClr val="accent1"/>
+            </a:lnRef>
+            <a:fillRef idx="0">
+              <a:schemeClr val="accent1"/>
+            </a:fillRef>
+            <a:effectRef idx="0">
+              <a:schemeClr val="accent1"/>
+            </a:effectRef>
+            <a:fontRef idx="minor">
               <a:schemeClr val="tx1"/>
-            </a:solidFill>
-            <a:tailEnd type="triangle"/>
-          </a:ln>
-        </p:spPr>
-        <p:style>
-          <a:lnRef idx="1">
-            <a:schemeClr val="accent1"/>
-          </a:lnRef>
-          <a:fillRef idx="0">
-            <a:schemeClr val="accent1"/>
-          </a:fillRef>
-          <a:effectRef idx="0">
-            <a:schemeClr val="accent1"/>
-          </a:effectRef>
-          <a:fontRef idx="minor">
-            <a:schemeClr val="tx1"/>
-          </a:fontRef>
-        </p:style>
-      </p:cxnSp>
-      <p:sp>
-        <p:nvSpPr>
-          <p:cNvPr id="2" name="TextBox 1"/>
-          <p:cNvSpPr txBox="1"/>
-          <p:nvPr/>
-        </p:nvSpPr>
-        <p:spPr>
-          <a:xfrm>
-            <a:off x="1945353" y="2421448"/>
-            <a:ext cx="435056" cy="276999"/>
-          </a:xfrm>
-          <a:prstGeom prst="rect">
-            <a:avLst/>
-          </a:prstGeom>
-          <a:noFill/>
-        </p:spPr>
-        <p:txBody>
-          <a:bodyPr wrap="none" rtlCol="0">
-            <a:spAutoFit/>
-          </a:bodyPr>
-          <a:lstStyle/>
-          <a:p>
-            <a:r>
-              <a:rPr lang="en-US" sz="1200" smtClean="0">
-                <a:latin typeface="Arial" panose="020B0604020202020204" pitchFamily="34" charset="0"/>
-                <a:cs typeface="Arial" panose="020B0604020202020204" pitchFamily="34" charset="0"/>
-              </a:rPr>
-              <a:t>Yes</a:t>
-            </a:r>
-            <a:endParaRPr lang="en-US" sz="1200">
-              <a:latin typeface="Arial" panose="020B0604020202020204" pitchFamily="34" charset="0"/>
-              <a:cs typeface="Arial" panose="020B0604020202020204" pitchFamily="34" charset="0"/>
-            </a:endParaRPr>
-          </a:p>
-        </p:txBody>
-      </p:sp>
-      <p:sp>
-        <p:nvSpPr>
-          <p:cNvPr id="24" name="TextBox 23"/>
-          <p:cNvSpPr txBox="1"/>
-          <p:nvPr/>
-        </p:nvSpPr>
-        <p:spPr>
-          <a:xfrm>
-            <a:off x="4784332" y="2949340"/>
-            <a:ext cx="435056" cy="276999"/>
-          </a:xfrm>
-          <a:prstGeom prst="rect">
-            <a:avLst/>
-          </a:prstGeom>
-          <a:noFill/>
-        </p:spPr>
-        <p:txBody>
-          <a:bodyPr wrap="none" rtlCol="0">
-            <a:spAutoFit/>
-          </a:bodyPr>
-          <a:lstStyle/>
-          <a:p>
-            <a:r>
-              <a:rPr lang="en-US" sz="1200" smtClean="0">
-                <a:latin typeface="Arial" panose="020B0604020202020204" pitchFamily="34" charset="0"/>
-                <a:cs typeface="Arial" panose="020B0604020202020204" pitchFamily="34" charset="0"/>
-              </a:rPr>
-              <a:t>Yes</a:t>
-            </a:r>
-            <a:endParaRPr lang="en-US" sz="1200">
-              <a:latin typeface="Arial" panose="020B0604020202020204" pitchFamily="34" charset="0"/>
-              <a:cs typeface="Arial" panose="020B0604020202020204" pitchFamily="34" charset="0"/>
-            </a:endParaRPr>
-          </a:p>
-        </p:txBody>
-      </p:sp>
-      <p:sp>
-        <p:nvSpPr>
-          <p:cNvPr id="25" name="TextBox 24"/>
-          <p:cNvSpPr txBox="1"/>
-          <p:nvPr/>
-        </p:nvSpPr>
-        <p:spPr>
-          <a:xfrm>
-            <a:off x="4738062" y="1876345"/>
-            <a:ext cx="435056" cy="276999"/>
-          </a:xfrm>
-          <a:prstGeom prst="rect">
-            <a:avLst/>
-          </a:prstGeom>
-          <a:noFill/>
-        </p:spPr>
-        <p:txBody>
-          <a:bodyPr wrap="none" rtlCol="0">
-            <a:spAutoFit/>
-          </a:bodyPr>
-          <a:lstStyle/>
-          <a:p>
-            <a:r>
-              <a:rPr lang="en-US" sz="1200" smtClean="0">
-                <a:latin typeface="Arial" panose="020B0604020202020204" pitchFamily="34" charset="0"/>
-                <a:cs typeface="Arial" panose="020B0604020202020204" pitchFamily="34" charset="0"/>
-              </a:rPr>
-              <a:t>Yes</a:t>
-            </a:r>
-            <a:endParaRPr lang="en-US" sz="1200">
-              <a:latin typeface="Arial" panose="020B0604020202020204" pitchFamily="34" charset="0"/>
-              <a:cs typeface="Arial" panose="020B0604020202020204" pitchFamily="34" charset="0"/>
-            </a:endParaRPr>
-          </a:p>
-        </p:txBody>
-      </p:sp>
-      <p:sp>
-        <p:nvSpPr>
-          <p:cNvPr id="26" name="TextBox 25"/>
-          <p:cNvSpPr txBox="1"/>
-          <p:nvPr/>
-        </p:nvSpPr>
-        <p:spPr>
-          <a:xfrm>
-            <a:off x="7043925" y="2951384"/>
-            <a:ext cx="435056" cy="276999"/>
-          </a:xfrm>
-          <a:prstGeom prst="rect">
-            <a:avLst/>
-          </a:prstGeom>
-          <a:noFill/>
-        </p:spPr>
-        <p:txBody>
-          <a:bodyPr wrap="none" rtlCol="0">
-            <a:spAutoFit/>
-          </a:bodyPr>
-          <a:lstStyle/>
-          <a:p>
-            <a:r>
-              <a:rPr lang="en-US" sz="1200" smtClean="0">
-                <a:latin typeface="Arial" panose="020B0604020202020204" pitchFamily="34" charset="0"/>
-                <a:cs typeface="Arial" panose="020B0604020202020204" pitchFamily="34" charset="0"/>
-              </a:rPr>
-              <a:t>Yes</a:t>
-            </a:r>
-            <a:endParaRPr lang="en-US" sz="1200">
-              <a:latin typeface="Arial" panose="020B0604020202020204" pitchFamily="34" charset="0"/>
-              <a:cs typeface="Arial" panose="020B0604020202020204" pitchFamily="34" charset="0"/>
-            </a:endParaRPr>
-          </a:p>
-        </p:txBody>
-      </p:sp>
-      <p:sp>
-        <p:nvSpPr>
-          <p:cNvPr id="27" name="TextBox 26"/>
-          <p:cNvSpPr txBox="1"/>
-          <p:nvPr/>
-        </p:nvSpPr>
-        <p:spPr>
-          <a:xfrm>
-            <a:off x="2965265" y="1876344"/>
-            <a:ext cx="380232" cy="276999"/>
-          </a:xfrm>
-          <a:prstGeom prst="rect">
-            <a:avLst/>
-          </a:prstGeom>
-          <a:noFill/>
-        </p:spPr>
-        <p:txBody>
-          <a:bodyPr wrap="none" rtlCol="0">
-            <a:spAutoFit/>
-          </a:bodyPr>
-          <a:lstStyle/>
-          <a:p>
-            <a:r>
-              <a:rPr lang="en-US" sz="1200" dirty="0" smtClean="0">
-                <a:latin typeface="Arial" panose="020B0604020202020204" pitchFamily="34" charset="0"/>
-                <a:cs typeface="Arial" panose="020B0604020202020204" pitchFamily="34" charset="0"/>
-              </a:rPr>
-              <a:t>No</a:t>
-            </a:r>
-            <a:endParaRPr lang="en-US" sz="1200" dirty="0">
-              <a:latin typeface="Arial" panose="020B0604020202020204" pitchFamily="34" charset="0"/>
-              <a:cs typeface="Arial" panose="020B0604020202020204" pitchFamily="34" charset="0"/>
-            </a:endParaRPr>
-          </a:p>
-        </p:txBody>
-      </p:sp>
-      <p:sp>
-        <p:nvSpPr>
-          <p:cNvPr id="31" name="TextBox 30"/>
-          <p:cNvSpPr txBox="1"/>
-          <p:nvPr/>
-        </p:nvSpPr>
-        <p:spPr>
-          <a:xfrm>
-            <a:off x="4160242" y="2429273"/>
-            <a:ext cx="380232" cy="276999"/>
-          </a:xfrm>
-          <a:prstGeom prst="rect">
-            <a:avLst/>
-          </a:prstGeom>
-          <a:noFill/>
-        </p:spPr>
-        <p:txBody>
-          <a:bodyPr wrap="none" rtlCol="0">
-            <a:spAutoFit/>
-          </a:bodyPr>
-          <a:lstStyle/>
-          <a:p>
-            <a:r>
-              <a:rPr lang="en-US" sz="1200" dirty="0" smtClean="0">
-                <a:latin typeface="Arial" panose="020B0604020202020204" pitchFamily="34" charset="0"/>
-                <a:cs typeface="Arial" panose="020B0604020202020204" pitchFamily="34" charset="0"/>
-              </a:rPr>
-              <a:t>No</a:t>
-            </a:r>
-            <a:endParaRPr lang="en-US" sz="1200" dirty="0">
-              <a:latin typeface="Arial" panose="020B0604020202020204" pitchFamily="34" charset="0"/>
-              <a:cs typeface="Arial" panose="020B0604020202020204" pitchFamily="34" charset="0"/>
-            </a:endParaRPr>
-          </a:p>
-        </p:txBody>
-      </p:sp>
-      <p:sp>
-        <p:nvSpPr>
-          <p:cNvPr id="32" name="TextBox 31"/>
-          <p:cNvSpPr txBox="1"/>
-          <p:nvPr/>
-        </p:nvSpPr>
-        <p:spPr>
-          <a:xfrm>
-            <a:off x="4160242" y="3493555"/>
-            <a:ext cx="380232" cy="276999"/>
-          </a:xfrm>
-          <a:prstGeom prst="rect">
-            <a:avLst/>
-          </a:prstGeom>
-          <a:noFill/>
-        </p:spPr>
-        <p:txBody>
-          <a:bodyPr wrap="none" rtlCol="0">
-            <a:spAutoFit/>
-          </a:bodyPr>
-          <a:lstStyle/>
-          <a:p>
-            <a:r>
-              <a:rPr lang="en-US" sz="1200" dirty="0" smtClean="0">
-                <a:latin typeface="Arial" panose="020B0604020202020204" pitchFamily="34" charset="0"/>
-                <a:cs typeface="Arial" panose="020B0604020202020204" pitchFamily="34" charset="0"/>
-              </a:rPr>
-              <a:t>No</a:t>
-            </a:r>
-            <a:endParaRPr lang="en-US" sz="1200" dirty="0">
-              <a:latin typeface="Arial" panose="020B0604020202020204" pitchFamily="34" charset="0"/>
-              <a:cs typeface="Arial" panose="020B0604020202020204" pitchFamily="34" charset="0"/>
-            </a:endParaRPr>
-          </a:p>
-        </p:txBody>
-      </p:sp>
-      <p:sp>
-        <p:nvSpPr>
-          <p:cNvPr id="33" name="TextBox 32"/>
-          <p:cNvSpPr txBox="1"/>
-          <p:nvPr/>
-        </p:nvSpPr>
-        <p:spPr>
-          <a:xfrm>
-            <a:off x="6202896" y="3664237"/>
-            <a:ext cx="380232" cy="276999"/>
-          </a:xfrm>
-          <a:prstGeom prst="rect">
-            <a:avLst/>
-          </a:prstGeom>
-          <a:noFill/>
-        </p:spPr>
-        <p:txBody>
-          <a:bodyPr wrap="none" rtlCol="0">
-            <a:spAutoFit/>
-          </a:bodyPr>
-          <a:lstStyle/>
-          <a:p>
-            <a:r>
-              <a:rPr lang="en-US" sz="1200" dirty="0" smtClean="0">
-                <a:latin typeface="Arial" panose="020B0604020202020204" pitchFamily="34" charset="0"/>
-                <a:cs typeface="Arial" panose="020B0604020202020204" pitchFamily="34" charset="0"/>
-              </a:rPr>
-              <a:t>No</a:t>
-            </a:r>
-            <a:endParaRPr lang="en-US" sz="1200" dirty="0">
-              <a:latin typeface="Arial" panose="020B0604020202020204" pitchFamily="34" charset="0"/>
-              <a:cs typeface="Arial" panose="020B0604020202020204" pitchFamily="34" charset="0"/>
-            </a:endParaRPr>
-          </a:p>
-        </p:txBody>
-      </p:sp>
+            </a:fontRef>
+          </p:style>
+        </p:cxnSp>
+        <p:cxnSp>
+          <p:nvCxnSpPr>
+            <p:cNvPr id="55" name="Elbow Connector 54"/>
+            <p:cNvCxnSpPr>
+              <a:stCxn id="28" idx="2"/>
+              <a:endCxn id="7" idx="1"/>
+            </p:cNvCxnSpPr>
+            <p:nvPr/>
+          </p:nvCxnSpPr>
+          <p:spPr>
+            <a:xfrm rot="16200000" flipH="1">
+              <a:off x="6556848" y="3312803"/>
+              <a:ext cx="612789" cy="1322653"/>
+            </a:xfrm>
+            <a:prstGeom prst="bentConnector2">
+              <a:avLst/>
+            </a:prstGeom>
+            <a:ln>
+              <a:solidFill>
+                <a:schemeClr val="tx1"/>
+              </a:solidFill>
+              <a:tailEnd type="triangle"/>
+            </a:ln>
+          </p:spPr>
+          <p:style>
+            <a:lnRef idx="1">
+              <a:schemeClr val="accent1"/>
+            </a:lnRef>
+            <a:fillRef idx="0">
+              <a:schemeClr val="accent1"/>
+            </a:fillRef>
+            <a:effectRef idx="0">
+              <a:schemeClr val="accent1"/>
+            </a:effectRef>
+            <a:fontRef idx="minor">
+              <a:schemeClr val="tx1"/>
+            </a:fontRef>
+          </p:style>
+        </p:cxnSp>
+        <p:sp>
+          <p:nvSpPr>
+            <p:cNvPr id="2" name="TextBox 1"/>
+            <p:cNvSpPr txBox="1"/>
+            <p:nvPr/>
+          </p:nvSpPr>
+          <p:spPr>
+            <a:xfrm>
+              <a:off x="1945353" y="2421448"/>
+              <a:ext cx="435056" cy="276999"/>
+            </a:xfrm>
+            <a:prstGeom prst="rect">
+              <a:avLst/>
+            </a:prstGeom>
+            <a:noFill/>
+          </p:spPr>
+          <p:txBody>
+            <a:bodyPr wrap="none" rtlCol="0">
+              <a:spAutoFit/>
+            </a:bodyPr>
+            <a:lstStyle/>
+            <a:p>
+              <a:r>
+                <a:rPr lang="en-US" sz="1200">
+                  <a:latin typeface="Arial" panose="020B0604020202020204" pitchFamily="34" charset="0"/>
+                  <a:cs typeface="Arial" panose="020B0604020202020204" pitchFamily="34" charset="0"/>
+                </a:rPr>
+                <a:t>Yes</a:t>
+              </a:r>
+            </a:p>
+          </p:txBody>
+        </p:sp>
+        <p:sp>
+          <p:nvSpPr>
+            <p:cNvPr id="24" name="TextBox 23"/>
+            <p:cNvSpPr txBox="1"/>
+            <p:nvPr/>
+          </p:nvSpPr>
+          <p:spPr>
+            <a:xfrm>
+              <a:off x="4784332" y="2949340"/>
+              <a:ext cx="435056" cy="276999"/>
+            </a:xfrm>
+            <a:prstGeom prst="rect">
+              <a:avLst/>
+            </a:prstGeom>
+            <a:noFill/>
+          </p:spPr>
+          <p:txBody>
+            <a:bodyPr wrap="none" rtlCol="0">
+              <a:spAutoFit/>
+            </a:bodyPr>
+            <a:lstStyle/>
+            <a:p>
+              <a:r>
+                <a:rPr lang="en-US" sz="1200">
+                  <a:latin typeface="Arial" panose="020B0604020202020204" pitchFamily="34" charset="0"/>
+                  <a:cs typeface="Arial" panose="020B0604020202020204" pitchFamily="34" charset="0"/>
+                </a:rPr>
+                <a:t>Yes</a:t>
+              </a:r>
+            </a:p>
+          </p:txBody>
+        </p:sp>
+        <p:sp>
+          <p:nvSpPr>
+            <p:cNvPr id="25" name="TextBox 24"/>
+            <p:cNvSpPr txBox="1"/>
+            <p:nvPr/>
+          </p:nvSpPr>
+          <p:spPr>
+            <a:xfrm>
+              <a:off x="4738062" y="1876345"/>
+              <a:ext cx="435056" cy="276999"/>
+            </a:xfrm>
+            <a:prstGeom prst="rect">
+              <a:avLst/>
+            </a:prstGeom>
+            <a:noFill/>
+          </p:spPr>
+          <p:txBody>
+            <a:bodyPr wrap="none" rtlCol="0">
+              <a:spAutoFit/>
+            </a:bodyPr>
+            <a:lstStyle/>
+            <a:p>
+              <a:r>
+                <a:rPr lang="en-US" sz="1200">
+                  <a:latin typeface="Arial" panose="020B0604020202020204" pitchFamily="34" charset="0"/>
+                  <a:cs typeface="Arial" panose="020B0604020202020204" pitchFamily="34" charset="0"/>
+                </a:rPr>
+                <a:t>Yes</a:t>
+              </a:r>
+            </a:p>
+          </p:txBody>
+        </p:sp>
+        <p:sp>
+          <p:nvSpPr>
+            <p:cNvPr id="26" name="TextBox 25"/>
+            <p:cNvSpPr txBox="1"/>
+            <p:nvPr/>
+          </p:nvSpPr>
+          <p:spPr>
+            <a:xfrm>
+              <a:off x="7043925" y="2951384"/>
+              <a:ext cx="435056" cy="276999"/>
+            </a:xfrm>
+            <a:prstGeom prst="rect">
+              <a:avLst/>
+            </a:prstGeom>
+            <a:noFill/>
+          </p:spPr>
+          <p:txBody>
+            <a:bodyPr wrap="none" rtlCol="0">
+              <a:spAutoFit/>
+            </a:bodyPr>
+            <a:lstStyle/>
+            <a:p>
+              <a:r>
+                <a:rPr lang="en-US" sz="1200">
+                  <a:latin typeface="Arial" panose="020B0604020202020204" pitchFamily="34" charset="0"/>
+                  <a:cs typeface="Arial" panose="020B0604020202020204" pitchFamily="34" charset="0"/>
+                </a:rPr>
+                <a:t>Yes</a:t>
+              </a:r>
+            </a:p>
+          </p:txBody>
+        </p:sp>
+        <p:sp>
+          <p:nvSpPr>
+            <p:cNvPr id="27" name="TextBox 26"/>
+            <p:cNvSpPr txBox="1"/>
+            <p:nvPr/>
+          </p:nvSpPr>
+          <p:spPr>
+            <a:xfrm>
+              <a:off x="2965265" y="1876344"/>
+              <a:ext cx="380232" cy="276999"/>
+            </a:xfrm>
+            <a:prstGeom prst="rect">
+              <a:avLst/>
+            </a:prstGeom>
+            <a:noFill/>
+          </p:spPr>
+          <p:txBody>
+            <a:bodyPr wrap="none" rtlCol="0">
+              <a:spAutoFit/>
+            </a:bodyPr>
+            <a:lstStyle/>
+            <a:p>
+              <a:r>
+                <a:rPr lang="en-US" sz="1200" dirty="0">
+                  <a:latin typeface="Arial" panose="020B0604020202020204" pitchFamily="34" charset="0"/>
+                  <a:cs typeface="Arial" panose="020B0604020202020204" pitchFamily="34" charset="0"/>
+                </a:rPr>
+                <a:t>No</a:t>
+              </a:r>
+            </a:p>
+          </p:txBody>
+        </p:sp>
+        <p:sp>
+          <p:nvSpPr>
+            <p:cNvPr id="31" name="TextBox 30"/>
+            <p:cNvSpPr txBox="1"/>
+            <p:nvPr/>
+          </p:nvSpPr>
+          <p:spPr>
+            <a:xfrm>
+              <a:off x="4160242" y="2429273"/>
+              <a:ext cx="380232" cy="276999"/>
+            </a:xfrm>
+            <a:prstGeom prst="rect">
+              <a:avLst/>
+            </a:prstGeom>
+            <a:noFill/>
+          </p:spPr>
+          <p:txBody>
+            <a:bodyPr wrap="none" rtlCol="0">
+              <a:spAutoFit/>
+            </a:bodyPr>
+            <a:lstStyle/>
+            <a:p>
+              <a:r>
+                <a:rPr lang="en-US" sz="1200" dirty="0">
+                  <a:latin typeface="Arial" panose="020B0604020202020204" pitchFamily="34" charset="0"/>
+                  <a:cs typeface="Arial" panose="020B0604020202020204" pitchFamily="34" charset="0"/>
+                </a:rPr>
+                <a:t>No</a:t>
+              </a:r>
+            </a:p>
+          </p:txBody>
+        </p:sp>
+        <p:sp>
+          <p:nvSpPr>
+            <p:cNvPr id="32" name="TextBox 31"/>
+            <p:cNvSpPr txBox="1"/>
+            <p:nvPr/>
+          </p:nvSpPr>
+          <p:spPr>
+            <a:xfrm>
+              <a:off x="4160242" y="3493555"/>
+              <a:ext cx="380232" cy="276999"/>
+            </a:xfrm>
+            <a:prstGeom prst="rect">
+              <a:avLst/>
+            </a:prstGeom>
+            <a:noFill/>
+          </p:spPr>
+          <p:txBody>
+            <a:bodyPr wrap="none" rtlCol="0">
+              <a:spAutoFit/>
+            </a:bodyPr>
+            <a:lstStyle/>
+            <a:p>
+              <a:r>
+                <a:rPr lang="en-US" sz="1200" dirty="0">
+                  <a:latin typeface="Arial" panose="020B0604020202020204" pitchFamily="34" charset="0"/>
+                  <a:cs typeface="Arial" panose="020B0604020202020204" pitchFamily="34" charset="0"/>
+                </a:rPr>
+                <a:t>No</a:t>
+              </a:r>
+            </a:p>
+          </p:txBody>
+        </p:sp>
+        <p:sp>
+          <p:nvSpPr>
+            <p:cNvPr id="33" name="TextBox 32"/>
+            <p:cNvSpPr txBox="1"/>
+            <p:nvPr/>
+          </p:nvSpPr>
+          <p:spPr>
+            <a:xfrm>
+              <a:off x="6202896" y="3664237"/>
+              <a:ext cx="380232" cy="276999"/>
+            </a:xfrm>
+            <a:prstGeom prst="rect">
+              <a:avLst/>
+            </a:prstGeom>
+            <a:noFill/>
+          </p:spPr>
+          <p:txBody>
+            <a:bodyPr wrap="none" rtlCol="0">
+              <a:spAutoFit/>
+            </a:bodyPr>
+            <a:lstStyle/>
+            <a:p>
+              <a:r>
+                <a:rPr lang="en-US" sz="1200" dirty="0">
+                  <a:latin typeface="Arial" panose="020B0604020202020204" pitchFamily="34" charset="0"/>
+                  <a:cs typeface="Arial" panose="020B0604020202020204" pitchFamily="34" charset="0"/>
+                </a:rPr>
+                <a:t>No</a:t>
+              </a:r>
+            </a:p>
+          </p:txBody>
+        </p:sp>
+      </p:grpSp>
     </p:spTree>
     <p:extLst>
       <p:ext uri="{BB962C8B-B14F-4D97-AF65-F5344CB8AC3E}">
